--- a/presentation/Presentation_COMBINED_FINAL DRAFT1.pptx
+++ b/presentation/Presentation_COMBINED_FINAL DRAFT1.pptx
@@ -7,34 +7,35 @@
   <p:sldIdLst>
     <p:sldId id="321" r:id="rId2"/>
     <p:sldId id="305" r:id="rId3"/>
-    <p:sldId id="307" r:id="rId4"/>
+    <p:sldId id="322" r:id="rId4"/>
     <p:sldId id="306" r:id="rId5"/>
-    <p:sldId id="308" r:id="rId6"/>
-    <p:sldId id="256" r:id="rId7"/>
-    <p:sldId id="257" r:id="rId8"/>
-    <p:sldId id="283" r:id="rId9"/>
-    <p:sldId id="284" r:id="rId10"/>
-    <p:sldId id="285" r:id="rId11"/>
-    <p:sldId id="286" r:id="rId12"/>
-    <p:sldId id="301" r:id="rId13"/>
-    <p:sldId id="287" r:id="rId14"/>
-    <p:sldId id="293" r:id="rId15"/>
-    <p:sldId id="294" r:id="rId16"/>
-    <p:sldId id="295" r:id="rId17"/>
-    <p:sldId id="303" r:id="rId18"/>
-    <p:sldId id="309" r:id="rId19"/>
-    <p:sldId id="310" r:id="rId20"/>
-    <p:sldId id="311" r:id="rId21"/>
-    <p:sldId id="312" r:id="rId22"/>
-    <p:sldId id="313" r:id="rId23"/>
-    <p:sldId id="314" r:id="rId24"/>
-    <p:sldId id="315" r:id="rId25"/>
-    <p:sldId id="316" r:id="rId26"/>
-    <p:sldId id="317" r:id="rId27"/>
-    <p:sldId id="318" r:id="rId28"/>
-    <p:sldId id="319" r:id="rId29"/>
-    <p:sldId id="320" r:id="rId30"/>
-    <p:sldId id="304" r:id="rId31"/>
+    <p:sldId id="323" r:id="rId6"/>
+    <p:sldId id="308" r:id="rId7"/>
+    <p:sldId id="256" r:id="rId8"/>
+    <p:sldId id="257" r:id="rId9"/>
+    <p:sldId id="283" r:id="rId10"/>
+    <p:sldId id="284" r:id="rId11"/>
+    <p:sldId id="285" r:id="rId12"/>
+    <p:sldId id="286" r:id="rId13"/>
+    <p:sldId id="301" r:id="rId14"/>
+    <p:sldId id="287" r:id="rId15"/>
+    <p:sldId id="293" r:id="rId16"/>
+    <p:sldId id="294" r:id="rId17"/>
+    <p:sldId id="295" r:id="rId18"/>
+    <p:sldId id="303" r:id="rId19"/>
+    <p:sldId id="309" r:id="rId20"/>
+    <p:sldId id="310" r:id="rId21"/>
+    <p:sldId id="311" r:id="rId22"/>
+    <p:sldId id="312" r:id="rId23"/>
+    <p:sldId id="313" r:id="rId24"/>
+    <p:sldId id="314" r:id="rId25"/>
+    <p:sldId id="315" r:id="rId26"/>
+    <p:sldId id="316" r:id="rId27"/>
+    <p:sldId id="317" r:id="rId28"/>
+    <p:sldId id="318" r:id="rId29"/>
+    <p:sldId id="319" r:id="rId30"/>
+    <p:sldId id="320" r:id="rId31"/>
+    <p:sldId id="304" r:id="rId32"/>
   </p:sldIdLst>
   <p:sldSz cx="12192000" cy="6858000"/>
   <p:notesSz cx="6858000" cy="9144000"/>
@@ -5545,6 +5546,965 @@
         <p:cNvPr id="1" name="">
           <a:extLst>
             <a:ext uri="{FF2B5EF4-FFF2-40B4-BE49-F238E27FC236}">
+              <a16:creationId xmlns:a16="http://schemas.microsoft.com/office/drawing/2014/main" id="{0AA5D4C4-5777-9B81-517C-0D493DEE5F6C}"/>
+            </a:ext>
+          </a:extLst>
+        </p:cNvPr>
+        <p:cNvGrpSpPr/>
+        <p:nvPr/>
+      </p:nvGrpSpPr>
+      <p:grpSpPr>
+        <a:xfrm>
+          <a:off x="0" y="0"/>
+          <a:ext cx="0" cy="0"/>
+          <a:chOff x="0" y="0"/>
+          <a:chExt cx="0" cy="0"/>
+        </a:xfrm>
+      </p:grpSpPr>
+      <p:sp>
+        <p:nvSpPr>
+          <p:cNvPr id="4" name="Rectangle: Rounded Corners 3">
+            <a:extLst>
+              <a:ext uri="{FF2B5EF4-FFF2-40B4-BE49-F238E27FC236}">
+                <a16:creationId xmlns:a16="http://schemas.microsoft.com/office/drawing/2014/main" id="{D0723D8B-9B4E-C21A-AD67-A16EEC320727}"/>
+              </a:ext>
+            </a:extLst>
+          </p:cNvPr>
+          <p:cNvSpPr/>
+          <p:nvPr/>
+        </p:nvSpPr>
+        <p:spPr>
+          <a:xfrm>
+            <a:off x="2131667" y="2235629"/>
+            <a:ext cx="8368496" cy="2389693"/>
+          </a:xfrm>
+          <a:prstGeom prst="roundRect">
+            <a:avLst/>
+          </a:prstGeom>
+          <a:solidFill>
+            <a:srgbClr val="48CAE4"/>
+          </a:solidFill>
+          <a:ln w="38100"/>
+        </p:spPr>
+        <p:style>
+          <a:lnRef idx="2">
+            <a:schemeClr val="accent1">
+              <a:shade val="15000"/>
+            </a:schemeClr>
+          </a:lnRef>
+          <a:fillRef idx="1">
+            <a:schemeClr val="accent1"/>
+          </a:fillRef>
+          <a:effectRef idx="0">
+            <a:schemeClr val="accent1"/>
+          </a:effectRef>
+          <a:fontRef idx="minor">
+            <a:schemeClr val="lt1"/>
+          </a:fontRef>
+        </p:style>
+        <p:txBody>
+          <a:bodyPr rtlCol="0" anchor="ctr"/>
+          <a:lstStyle/>
+          <a:p>
+            <a:pPr algn="ctr"/>
+            <a:r>
+              <a:rPr lang="en-AU" sz="6000" dirty="0"/>
+              <a:t>Age Group</a:t>
+            </a:r>
+          </a:p>
+          <a:p>
+            <a:pPr algn="ctr"/>
+            <a:r>
+              <a:rPr lang="en-AU" sz="5000" dirty="0"/>
+              <a:t>Young Adult (20 - 35)</a:t>
+            </a:r>
+          </a:p>
+        </p:txBody>
+      </p:sp>
+      <p:pic>
+        <p:nvPicPr>
+          <p:cNvPr id="9" name="Picture 8">
+            <a:extLst>
+              <a:ext uri="{FF2B5EF4-FFF2-40B4-BE49-F238E27FC236}">
+                <a16:creationId xmlns:a16="http://schemas.microsoft.com/office/drawing/2014/main" id="{F01C7C14-3E39-C921-5671-4878B492CC96}"/>
+              </a:ext>
+            </a:extLst>
+          </p:cNvPr>
+          <p:cNvPicPr>
+            <a:picLocks noChangeAspect="1"/>
+          </p:cNvPicPr>
+          <p:nvPr/>
+        </p:nvPicPr>
+        <p:blipFill>
+          <a:blip r:embed="rId2"/>
+          <a:stretch>
+            <a:fillRect/>
+          </a:stretch>
+        </p:blipFill>
+        <p:spPr>
+          <a:xfrm>
+            <a:off x="171450" y="23525"/>
+            <a:ext cx="11866221" cy="6801138"/>
+          </a:xfrm>
+          <a:prstGeom prst="rect">
+            <a:avLst/>
+          </a:prstGeom>
+        </p:spPr>
+      </p:pic>
+      <p:sp>
+        <p:nvSpPr>
+          <p:cNvPr id="10" name="Rectangle: Rounded Corners 9">
+            <a:extLst>
+              <a:ext uri="{FF2B5EF4-FFF2-40B4-BE49-F238E27FC236}">
+                <a16:creationId xmlns:a16="http://schemas.microsoft.com/office/drawing/2014/main" id="{1AAA87DF-75DD-C9B1-8EF3-3985AE5F4ADD}"/>
+              </a:ext>
+            </a:extLst>
+          </p:cNvPr>
+          <p:cNvSpPr/>
+          <p:nvPr/>
+        </p:nvSpPr>
+        <p:spPr>
+          <a:xfrm>
+            <a:off x="3109488" y="1651201"/>
+            <a:ext cx="542925" cy="333375"/>
+          </a:xfrm>
+          <a:prstGeom prst="roundRect">
+            <a:avLst/>
+          </a:prstGeom>
+          <a:noFill/>
+          <a:ln w="28575">
+            <a:solidFill>
+              <a:srgbClr val="FF0000"/>
+            </a:solidFill>
+          </a:ln>
+        </p:spPr>
+        <p:style>
+          <a:lnRef idx="2">
+            <a:schemeClr val="accent1">
+              <a:shade val="15000"/>
+            </a:schemeClr>
+          </a:lnRef>
+          <a:fillRef idx="1">
+            <a:schemeClr val="accent1"/>
+          </a:fillRef>
+          <a:effectRef idx="0">
+            <a:schemeClr val="accent1"/>
+          </a:effectRef>
+          <a:fontRef idx="minor">
+            <a:schemeClr val="lt1"/>
+          </a:fontRef>
+        </p:style>
+        <p:txBody>
+          <a:bodyPr rtlCol="0" anchor="ctr"/>
+          <a:lstStyle/>
+          <a:p>
+            <a:pPr algn="ctr"/>
+            <a:endParaRPr lang="en-AU"/>
+          </a:p>
+        </p:txBody>
+      </p:sp>
+      <p:cxnSp>
+        <p:nvCxnSpPr>
+          <p:cNvPr id="11" name="Straight Arrow Connector 10">
+            <a:extLst>
+              <a:ext uri="{FF2B5EF4-FFF2-40B4-BE49-F238E27FC236}">
+                <a16:creationId xmlns:a16="http://schemas.microsoft.com/office/drawing/2014/main" id="{3520EE62-DA1B-4C23-65AB-994120709869}"/>
+              </a:ext>
+            </a:extLst>
+          </p:cNvPr>
+          <p:cNvCxnSpPr>
+            <a:cxnSpLocks/>
+          </p:cNvCxnSpPr>
+          <p:nvPr/>
+        </p:nvCxnSpPr>
+        <p:spPr>
+          <a:xfrm flipV="1">
+            <a:off x="1586092" y="1817225"/>
+            <a:ext cx="1353877" cy="86933"/>
+          </a:xfrm>
+          <a:prstGeom prst="straightConnector1">
+            <a:avLst/>
+          </a:prstGeom>
+          <a:ln w="28575">
+            <a:solidFill>
+              <a:srgbClr val="FF0000">
+                <a:alpha val="60000"/>
+              </a:srgbClr>
+            </a:solidFill>
+            <a:tailEnd type="triangle"/>
+          </a:ln>
+        </p:spPr>
+        <p:style>
+          <a:lnRef idx="1">
+            <a:schemeClr val="accent1"/>
+          </a:lnRef>
+          <a:fillRef idx="0">
+            <a:schemeClr val="accent1"/>
+          </a:fillRef>
+          <a:effectRef idx="0">
+            <a:schemeClr val="accent1"/>
+          </a:effectRef>
+          <a:fontRef idx="minor">
+            <a:schemeClr val="tx1"/>
+          </a:fontRef>
+        </p:style>
+      </p:cxnSp>
+      <p:sp>
+        <p:nvSpPr>
+          <p:cNvPr id="12" name="Rectangle: Rounded Corners 11">
+            <a:extLst>
+              <a:ext uri="{FF2B5EF4-FFF2-40B4-BE49-F238E27FC236}">
+                <a16:creationId xmlns:a16="http://schemas.microsoft.com/office/drawing/2014/main" id="{4D68AB48-A2D6-39A5-AFC6-23E43D38B1FB}"/>
+              </a:ext>
+            </a:extLst>
+          </p:cNvPr>
+          <p:cNvSpPr/>
+          <p:nvPr/>
+        </p:nvSpPr>
+        <p:spPr>
+          <a:xfrm>
+            <a:off x="3101416" y="4428392"/>
+            <a:ext cx="447675" cy="238126"/>
+          </a:xfrm>
+          <a:prstGeom prst="roundRect">
+            <a:avLst/>
+          </a:prstGeom>
+          <a:noFill/>
+          <a:ln w="28575">
+            <a:solidFill>
+              <a:srgbClr val="FF0000"/>
+            </a:solidFill>
+          </a:ln>
+        </p:spPr>
+        <p:style>
+          <a:lnRef idx="2">
+            <a:schemeClr val="accent1">
+              <a:shade val="15000"/>
+            </a:schemeClr>
+          </a:lnRef>
+          <a:fillRef idx="1">
+            <a:schemeClr val="accent1"/>
+          </a:fillRef>
+          <a:effectRef idx="0">
+            <a:schemeClr val="accent1"/>
+          </a:effectRef>
+          <a:fontRef idx="minor">
+            <a:schemeClr val="lt1"/>
+          </a:fontRef>
+        </p:style>
+        <p:txBody>
+          <a:bodyPr rtlCol="0" anchor="ctr"/>
+          <a:lstStyle/>
+          <a:p>
+            <a:pPr algn="ctr"/>
+            <a:endParaRPr lang="en-AU"/>
+          </a:p>
+        </p:txBody>
+      </p:sp>
+      <p:cxnSp>
+        <p:nvCxnSpPr>
+          <p:cNvPr id="13" name="Straight Arrow Connector 12">
+            <a:extLst>
+              <a:ext uri="{FF2B5EF4-FFF2-40B4-BE49-F238E27FC236}">
+                <a16:creationId xmlns:a16="http://schemas.microsoft.com/office/drawing/2014/main" id="{08D55D35-6A51-4DDB-62BB-AE7B6A27F75F}"/>
+              </a:ext>
+            </a:extLst>
+          </p:cNvPr>
+          <p:cNvCxnSpPr>
+            <a:cxnSpLocks/>
+          </p:cNvCxnSpPr>
+          <p:nvPr/>
+        </p:nvCxnSpPr>
+        <p:spPr>
+          <a:xfrm>
+            <a:off x="2571150" y="4305426"/>
+            <a:ext cx="523875" cy="114299"/>
+          </a:xfrm>
+          <a:prstGeom prst="straightConnector1">
+            <a:avLst/>
+          </a:prstGeom>
+          <a:ln w="28575">
+            <a:solidFill>
+              <a:srgbClr val="FF0000">
+                <a:alpha val="60000"/>
+              </a:srgbClr>
+            </a:solidFill>
+            <a:tailEnd type="triangle"/>
+          </a:ln>
+        </p:spPr>
+        <p:style>
+          <a:lnRef idx="1">
+            <a:schemeClr val="accent1"/>
+          </a:lnRef>
+          <a:fillRef idx="0">
+            <a:schemeClr val="accent1"/>
+          </a:fillRef>
+          <a:effectRef idx="0">
+            <a:schemeClr val="accent1"/>
+          </a:effectRef>
+          <a:fontRef idx="minor">
+            <a:schemeClr val="tx1"/>
+          </a:fontRef>
+        </p:style>
+      </p:cxnSp>
+      <p:sp>
+        <p:nvSpPr>
+          <p:cNvPr id="17" name="Rectangle: Rounded Corners 16">
+            <a:extLst>
+              <a:ext uri="{FF2B5EF4-FFF2-40B4-BE49-F238E27FC236}">
+                <a16:creationId xmlns:a16="http://schemas.microsoft.com/office/drawing/2014/main" id="{6D31D41C-CB8F-E6DC-799A-97F151F819FA}"/>
+              </a:ext>
+            </a:extLst>
+          </p:cNvPr>
+          <p:cNvSpPr/>
+          <p:nvPr/>
+        </p:nvSpPr>
+        <p:spPr>
+          <a:xfrm>
+            <a:off x="9650872" y="1737470"/>
+            <a:ext cx="542925" cy="333375"/>
+          </a:xfrm>
+          <a:prstGeom prst="roundRect">
+            <a:avLst/>
+          </a:prstGeom>
+          <a:noFill/>
+          <a:ln w="28575">
+            <a:solidFill>
+              <a:srgbClr val="FF0000"/>
+            </a:solidFill>
+          </a:ln>
+        </p:spPr>
+        <p:style>
+          <a:lnRef idx="2">
+            <a:schemeClr val="accent1">
+              <a:shade val="15000"/>
+            </a:schemeClr>
+          </a:lnRef>
+          <a:fillRef idx="1">
+            <a:schemeClr val="accent1"/>
+          </a:fillRef>
+          <a:effectRef idx="0">
+            <a:schemeClr val="accent1"/>
+          </a:effectRef>
+          <a:fontRef idx="minor">
+            <a:schemeClr val="lt1"/>
+          </a:fontRef>
+        </p:style>
+        <p:txBody>
+          <a:bodyPr rtlCol="0" anchor="ctr"/>
+          <a:lstStyle/>
+          <a:p>
+            <a:pPr algn="ctr"/>
+            <a:endParaRPr lang="en-AU"/>
+          </a:p>
+        </p:txBody>
+      </p:sp>
+      <p:cxnSp>
+        <p:nvCxnSpPr>
+          <p:cNvPr id="18" name="Straight Arrow Connector 17">
+            <a:extLst>
+              <a:ext uri="{FF2B5EF4-FFF2-40B4-BE49-F238E27FC236}">
+                <a16:creationId xmlns:a16="http://schemas.microsoft.com/office/drawing/2014/main" id="{7189BE15-FCC3-1C07-6675-62ACB3B00354}"/>
+              </a:ext>
+            </a:extLst>
+          </p:cNvPr>
+          <p:cNvCxnSpPr>
+            <a:cxnSpLocks/>
+          </p:cNvCxnSpPr>
+          <p:nvPr/>
+        </p:nvCxnSpPr>
+        <p:spPr>
+          <a:xfrm>
+            <a:off x="9921434" y="552006"/>
+            <a:ext cx="0" cy="1092866"/>
+          </a:xfrm>
+          <a:prstGeom prst="straightConnector1">
+            <a:avLst/>
+          </a:prstGeom>
+          <a:ln w="28575">
+            <a:solidFill>
+              <a:srgbClr val="FF0000">
+                <a:alpha val="60000"/>
+              </a:srgbClr>
+            </a:solidFill>
+            <a:tailEnd type="triangle"/>
+          </a:ln>
+        </p:spPr>
+        <p:style>
+          <a:lnRef idx="1">
+            <a:schemeClr val="accent1"/>
+          </a:lnRef>
+          <a:fillRef idx="0">
+            <a:schemeClr val="accent1"/>
+          </a:fillRef>
+          <a:effectRef idx="0">
+            <a:schemeClr val="accent1"/>
+          </a:effectRef>
+          <a:fontRef idx="minor">
+            <a:schemeClr val="tx1"/>
+          </a:fontRef>
+        </p:style>
+      </p:cxnSp>
+      <p:sp>
+        <p:nvSpPr>
+          <p:cNvPr id="5" name="Rectangle: Rounded Corners 4">
+            <a:extLst>
+              <a:ext uri="{FF2B5EF4-FFF2-40B4-BE49-F238E27FC236}">
+                <a16:creationId xmlns:a16="http://schemas.microsoft.com/office/drawing/2014/main" id="{26B00B15-9F4C-016F-E087-2D86D0956CFE}"/>
+              </a:ext>
+            </a:extLst>
+          </p:cNvPr>
+          <p:cNvSpPr/>
+          <p:nvPr/>
+        </p:nvSpPr>
+        <p:spPr>
+          <a:xfrm>
+            <a:off x="3122991" y="2312888"/>
+            <a:ext cx="542925" cy="333375"/>
+          </a:xfrm>
+          <a:prstGeom prst="roundRect">
+            <a:avLst/>
+          </a:prstGeom>
+          <a:noFill/>
+          <a:ln w="28575">
+            <a:solidFill>
+              <a:srgbClr val="FF0000"/>
+            </a:solidFill>
+          </a:ln>
+        </p:spPr>
+        <p:style>
+          <a:lnRef idx="2">
+            <a:schemeClr val="accent1">
+              <a:shade val="15000"/>
+            </a:schemeClr>
+          </a:lnRef>
+          <a:fillRef idx="1">
+            <a:schemeClr val="accent1"/>
+          </a:fillRef>
+          <a:effectRef idx="0">
+            <a:schemeClr val="accent1"/>
+          </a:effectRef>
+          <a:fontRef idx="minor">
+            <a:schemeClr val="lt1"/>
+          </a:fontRef>
+        </p:style>
+        <p:txBody>
+          <a:bodyPr rtlCol="0" anchor="ctr"/>
+          <a:lstStyle/>
+          <a:p>
+            <a:pPr algn="ctr"/>
+            <a:endParaRPr lang="en-AU"/>
+          </a:p>
+        </p:txBody>
+      </p:sp>
+      <p:cxnSp>
+        <p:nvCxnSpPr>
+          <p:cNvPr id="6" name="Straight Arrow Connector 5">
+            <a:extLst>
+              <a:ext uri="{FF2B5EF4-FFF2-40B4-BE49-F238E27FC236}">
+                <a16:creationId xmlns:a16="http://schemas.microsoft.com/office/drawing/2014/main" id="{777FA130-27A4-D4C3-599E-899722973E2A}"/>
+              </a:ext>
+            </a:extLst>
+          </p:cNvPr>
+          <p:cNvCxnSpPr>
+            <a:cxnSpLocks/>
+          </p:cNvCxnSpPr>
+          <p:nvPr/>
+        </p:nvCxnSpPr>
+        <p:spPr>
+          <a:xfrm flipV="1">
+            <a:off x="2338085" y="2553665"/>
+            <a:ext cx="694482" cy="351580"/>
+          </a:xfrm>
+          <a:prstGeom prst="straightConnector1">
+            <a:avLst/>
+          </a:prstGeom>
+          <a:ln w="28575">
+            <a:solidFill>
+              <a:srgbClr val="FF0000">
+                <a:alpha val="60000"/>
+              </a:srgbClr>
+            </a:solidFill>
+            <a:tailEnd type="triangle"/>
+          </a:ln>
+        </p:spPr>
+        <p:style>
+          <a:lnRef idx="1">
+            <a:schemeClr val="accent1"/>
+          </a:lnRef>
+          <a:fillRef idx="0">
+            <a:schemeClr val="accent1"/>
+          </a:fillRef>
+          <a:effectRef idx="0">
+            <a:schemeClr val="accent1"/>
+          </a:effectRef>
+          <a:fontRef idx="minor">
+            <a:schemeClr val="tx1"/>
+          </a:fontRef>
+        </p:style>
+      </p:cxnSp>
+    </p:spTree>
+    <p:extLst>
+      <p:ext uri="{BB962C8B-B14F-4D97-AF65-F5344CB8AC3E}">
+        <p14:creationId xmlns:p14="http://schemas.microsoft.com/office/powerpoint/2010/main" val="2616268334"/>
+      </p:ext>
+    </p:extLst>
+  </p:cSld>
+  <p:clrMapOvr>
+    <a:masterClrMapping/>
+  </p:clrMapOvr>
+  <p:timing>
+    <p:tnLst>
+      <p:par>
+        <p:cTn id="1" dur="indefinite" restart="never" nodeType="tmRoot">
+          <p:childTnLst>
+            <p:seq concurrent="1" nextAc="seek">
+              <p:cTn id="2" dur="indefinite" nodeType="mainSeq">
+                <p:childTnLst>
+                  <p:par>
+                    <p:cTn id="3" fill="hold">
+                      <p:stCondLst>
+                        <p:cond delay="indefinite"/>
+                      </p:stCondLst>
+                      <p:childTnLst>
+                        <p:par>
+                          <p:cTn id="4" fill="hold">
+                            <p:stCondLst>
+                              <p:cond delay="0"/>
+                            </p:stCondLst>
+                            <p:childTnLst>
+                              <p:par>
+                                <p:cTn id="5" presetID="10" presetClass="entr" presetSubtype="0" fill="hold" nodeType="clickEffect">
+                                  <p:stCondLst>
+                                    <p:cond delay="0"/>
+                                  </p:stCondLst>
+                                  <p:childTnLst>
+                                    <p:set>
+                                      <p:cBhvr>
+                                        <p:cTn id="6" dur="1" fill="hold">
+                                          <p:stCondLst>
+                                            <p:cond delay="0"/>
+                                          </p:stCondLst>
+                                        </p:cTn>
+                                        <p:tgtEl>
+                                          <p:spTgt spid="9"/>
+                                        </p:tgtEl>
+                                        <p:attrNameLst>
+                                          <p:attrName>style.visibility</p:attrName>
+                                        </p:attrNameLst>
+                                      </p:cBhvr>
+                                      <p:to>
+                                        <p:strVal val="visible"/>
+                                      </p:to>
+                                    </p:set>
+                                    <p:animEffect transition="in" filter="fade">
+                                      <p:cBhvr>
+                                        <p:cTn id="7" dur="500"/>
+                                        <p:tgtEl>
+                                          <p:spTgt spid="9"/>
+                                        </p:tgtEl>
+                                      </p:cBhvr>
+                                    </p:animEffect>
+                                  </p:childTnLst>
+                                </p:cTn>
+                              </p:par>
+                            </p:childTnLst>
+                          </p:cTn>
+                        </p:par>
+                      </p:childTnLst>
+                    </p:cTn>
+                  </p:par>
+                  <p:par>
+                    <p:cTn id="8" fill="hold">
+                      <p:stCondLst>
+                        <p:cond delay="indefinite"/>
+                      </p:stCondLst>
+                      <p:childTnLst>
+                        <p:par>
+                          <p:cTn id="9" fill="hold">
+                            <p:stCondLst>
+                              <p:cond delay="0"/>
+                            </p:stCondLst>
+                            <p:childTnLst>
+                              <p:par>
+                                <p:cTn id="10" presetID="10" presetClass="entr" presetSubtype="0" fill="hold" nodeType="clickEffect">
+                                  <p:stCondLst>
+                                    <p:cond delay="0"/>
+                                  </p:stCondLst>
+                                  <p:childTnLst>
+                                    <p:set>
+                                      <p:cBhvr>
+                                        <p:cTn id="11" dur="1" fill="hold">
+                                          <p:stCondLst>
+                                            <p:cond delay="0"/>
+                                          </p:stCondLst>
+                                        </p:cTn>
+                                        <p:tgtEl>
+                                          <p:spTgt spid="11"/>
+                                        </p:tgtEl>
+                                        <p:attrNameLst>
+                                          <p:attrName>style.visibility</p:attrName>
+                                        </p:attrNameLst>
+                                      </p:cBhvr>
+                                      <p:to>
+                                        <p:strVal val="visible"/>
+                                      </p:to>
+                                    </p:set>
+                                    <p:animEffect transition="in" filter="fade">
+                                      <p:cBhvr>
+                                        <p:cTn id="12" dur="500"/>
+                                        <p:tgtEl>
+                                          <p:spTgt spid="11"/>
+                                        </p:tgtEl>
+                                      </p:cBhvr>
+                                    </p:animEffect>
+                                  </p:childTnLst>
+                                </p:cTn>
+                              </p:par>
+                              <p:par>
+                                <p:cTn id="13" presetID="10" presetClass="entr" presetSubtype="0" fill="hold" grpId="0" nodeType="withEffect">
+                                  <p:stCondLst>
+                                    <p:cond delay="0"/>
+                                  </p:stCondLst>
+                                  <p:childTnLst>
+                                    <p:set>
+                                      <p:cBhvr>
+                                        <p:cTn id="14" dur="1" fill="hold">
+                                          <p:stCondLst>
+                                            <p:cond delay="0"/>
+                                          </p:stCondLst>
+                                        </p:cTn>
+                                        <p:tgtEl>
+                                          <p:spTgt spid="10"/>
+                                        </p:tgtEl>
+                                        <p:attrNameLst>
+                                          <p:attrName>style.visibility</p:attrName>
+                                        </p:attrNameLst>
+                                      </p:cBhvr>
+                                      <p:to>
+                                        <p:strVal val="visible"/>
+                                      </p:to>
+                                    </p:set>
+                                    <p:animEffect transition="in" filter="fade">
+                                      <p:cBhvr>
+                                        <p:cTn id="15" dur="500"/>
+                                        <p:tgtEl>
+                                          <p:spTgt spid="10"/>
+                                        </p:tgtEl>
+                                      </p:cBhvr>
+                                    </p:animEffect>
+                                  </p:childTnLst>
+                                </p:cTn>
+                              </p:par>
+                            </p:childTnLst>
+                          </p:cTn>
+                        </p:par>
+                      </p:childTnLst>
+                    </p:cTn>
+                  </p:par>
+                  <p:par>
+                    <p:cTn id="16" fill="hold">
+                      <p:stCondLst>
+                        <p:cond delay="indefinite"/>
+                      </p:stCondLst>
+                      <p:childTnLst>
+                        <p:par>
+                          <p:cTn id="17" fill="hold">
+                            <p:stCondLst>
+                              <p:cond delay="0"/>
+                            </p:stCondLst>
+                            <p:childTnLst>
+                              <p:par>
+                                <p:cTn id="18" presetID="10" presetClass="entr" presetSubtype="0" fill="hold" nodeType="clickEffect">
+                                  <p:stCondLst>
+                                    <p:cond delay="0"/>
+                                  </p:stCondLst>
+                                  <p:childTnLst>
+                                    <p:set>
+                                      <p:cBhvr>
+                                        <p:cTn id="19" dur="1" fill="hold">
+                                          <p:stCondLst>
+                                            <p:cond delay="0"/>
+                                          </p:stCondLst>
+                                        </p:cTn>
+                                        <p:tgtEl>
+                                          <p:spTgt spid="6"/>
+                                        </p:tgtEl>
+                                        <p:attrNameLst>
+                                          <p:attrName>style.visibility</p:attrName>
+                                        </p:attrNameLst>
+                                      </p:cBhvr>
+                                      <p:to>
+                                        <p:strVal val="visible"/>
+                                      </p:to>
+                                    </p:set>
+                                    <p:animEffect transition="in" filter="fade">
+                                      <p:cBhvr>
+                                        <p:cTn id="20" dur="500"/>
+                                        <p:tgtEl>
+                                          <p:spTgt spid="6"/>
+                                        </p:tgtEl>
+                                      </p:cBhvr>
+                                    </p:animEffect>
+                                  </p:childTnLst>
+                                </p:cTn>
+                              </p:par>
+                              <p:par>
+                                <p:cTn id="21" presetID="10" presetClass="entr" presetSubtype="0" fill="hold" grpId="0" nodeType="withEffect">
+                                  <p:stCondLst>
+                                    <p:cond delay="0"/>
+                                  </p:stCondLst>
+                                  <p:childTnLst>
+                                    <p:set>
+                                      <p:cBhvr>
+                                        <p:cTn id="22" dur="1" fill="hold">
+                                          <p:stCondLst>
+                                            <p:cond delay="0"/>
+                                          </p:stCondLst>
+                                        </p:cTn>
+                                        <p:tgtEl>
+                                          <p:spTgt spid="5"/>
+                                        </p:tgtEl>
+                                        <p:attrNameLst>
+                                          <p:attrName>style.visibility</p:attrName>
+                                        </p:attrNameLst>
+                                      </p:cBhvr>
+                                      <p:to>
+                                        <p:strVal val="visible"/>
+                                      </p:to>
+                                    </p:set>
+                                    <p:animEffect transition="in" filter="fade">
+                                      <p:cBhvr>
+                                        <p:cTn id="23" dur="500"/>
+                                        <p:tgtEl>
+                                          <p:spTgt spid="5"/>
+                                        </p:tgtEl>
+                                      </p:cBhvr>
+                                    </p:animEffect>
+                                  </p:childTnLst>
+                                </p:cTn>
+                              </p:par>
+                            </p:childTnLst>
+                          </p:cTn>
+                        </p:par>
+                      </p:childTnLst>
+                    </p:cTn>
+                  </p:par>
+                  <p:par>
+                    <p:cTn id="24" fill="hold">
+                      <p:stCondLst>
+                        <p:cond delay="indefinite"/>
+                      </p:stCondLst>
+                      <p:childTnLst>
+                        <p:par>
+                          <p:cTn id="25" fill="hold">
+                            <p:stCondLst>
+                              <p:cond delay="0"/>
+                            </p:stCondLst>
+                            <p:childTnLst>
+                              <p:par>
+                                <p:cTn id="26" presetID="10" presetClass="entr" presetSubtype="0" fill="hold" nodeType="clickEffect">
+                                  <p:stCondLst>
+                                    <p:cond delay="0"/>
+                                  </p:stCondLst>
+                                  <p:childTnLst>
+                                    <p:set>
+                                      <p:cBhvr>
+                                        <p:cTn id="27" dur="1" fill="hold">
+                                          <p:stCondLst>
+                                            <p:cond delay="0"/>
+                                          </p:stCondLst>
+                                        </p:cTn>
+                                        <p:tgtEl>
+                                          <p:spTgt spid="13"/>
+                                        </p:tgtEl>
+                                        <p:attrNameLst>
+                                          <p:attrName>style.visibility</p:attrName>
+                                        </p:attrNameLst>
+                                      </p:cBhvr>
+                                      <p:to>
+                                        <p:strVal val="visible"/>
+                                      </p:to>
+                                    </p:set>
+                                    <p:animEffect transition="in" filter="fade">
+                                      <p:cBhvr>
+                                        <p:cTn id="28" dur="500"/>
+                                        <p:tgtEl>
+                                          <p:spTgt spid="13"/>
+                                        </p:tgtEl>
+                                      </p:cBhvr>
+                                    </p:animEffect>
+                                  </p:childTnLst>
+                                </p:cTn>
+                              </p:par>
+                              <p:par>
+                                <p:cTn id="29" presetID="10" presetClass="entr" presetSubtype="0" fill="hold" grpId="0" nodeType="withEffect">
+                                  <p:stCondLst>
+                                    <p:cond delay="0"/>
+                                  </p:stCondLst>
+                                  <p:childTnLst>
+                                    <p:set>
+                                      <p:cBhvr>
+                                        <p:cTn id="30" dur="1" fill="hold">
+                                          <p:stCondLst>
+                                            <p:cond delay="0"/>
+                                          </p:stCondLst>
+                                        </p:cTn>
+                                        <p:tgtEl>
+                                          <p:spTgt spid="12"/>
+                                        </p:tgtEl>
+                                        <p:attrNameLst>
+                                          <p:attrName>style.visibility</p:attrName>
+                                        </p:attrNameLst>
+                                      </p:cBhvr>
+                                      <p:to>
+                                        <p:strVal val="visible"/>
+                                      </p:to>
+                                    </p:set>
+                                    <p:animEffect transition="in" filter="fade">
+                                      <p:cBhvr>
+                                        <p:cTn id="31" dur="500"/>
+                                        <p:tgtEl>
+                                          <p:spTgt spid="12"/>
+                                        </p:tgtEl>
+                                      </p:cBhvr>
+                                    </p:animEffect>
+                                  </p:childTnLst>
+                                </p:cTn>
+                              </p:par>
+                            </p:childTnLst>
+                          </p:cTn>
+                        </p:par>
+                      </p:childTnLst>
+                    </p:cTn>
+                  </p:par>
+                  <p:par>
+                    <p:cTn id="32" fill="hold">
+                      <p:stCondLst>
+                        <p:cond delay="indefinite"/>
+                      </p:stCondLst>
+                      <p:childTnLst>
+                        <p:par>
+                          <p:cTn id="33" fill="hold">
+                            <p:stCondLst>
+                              <p:cond delay="0"/>
+                            </p:stCondLst>
+                            <p:childTnLst>
+                              <p:par>
+                                <p:cTn id="34" presetID="10" presetClass="entr" presetSubtype="0" fill="hold" grpId="0" nodeType="clickEffect">
+                                  <p:stCondLst>
+                                    <p:cond delay="0"/>
+                                  </p:stCondLst>
+                                  <p:childTnLst>
+                                    <p:set>
+                                      <p:cBhvr>
+                                        <p:cTn id="35" dur="1" fill="hold">
+                                          <p:stCondLst>
+                                            <p:cond delay="0"/>
+                                          </p:stCondLst>
+                                        </p:cTn>
+                                        <p:tgtEl>
+                                          <p:spTgt spid="17"/>
+                                        </p:tgtEl>
+                                        <p:attrNameLst>
+                                          <p:attrName>style.visibility</p:attrName>
+                                        </p:attrNameLst>
+                                      </p:cBhvr>
+                                      <p:to>
+                                        <p:strVal val="visible"/>
+                                      </p:to>
+                                    </p:set>
+                                    <p:animEffect transition="in" filter="fade">
+                                      <p:cBhvr>
+                                        <p:cTn id="36" dur="500"/>
+                                        <p:tgtEl>
+                                          <p:spTgt spid="17"/>
+                                        </p:tgtEl>
+                                      </p:cBhvr>
+                                    </p:animEffect>
+                                  </p:childTnLst>
+                                </p:cTn>
+                              </p:par>
+                              <p:par>
+                                <p:cTn id="37" presetID="10" presetClass="entr" presetSubtype="0" fill="hold" nodeType="withEffect">
+                                  <p:stCondLst>
+                                    <p:cond delay="0"/>
+                                  </p:stCondLst>
+                                  <p:childTnLst>
+                                    <p:set>
+                                      <p:cBhvr>
+                                        <p:cTn id="38" dur="1" fill="hold">
+                                          <p:stCondLst>
+                                            <p:cond delay="0"/>
+                                          </p:stCondLst>
+                                        </p:cTn>
+                                        <p:tgtEl>
+                                          <p:spTgt spid="18"/>
+                                        </p:tgtEl>
+                                        <p:attrNameLst>
+                                          <p:attrName>style.visibility</p:attrName>
+                                        </p:attrNameLst>
+                                      </p:cBhvr>
+                                      <p:to>
+                                        <p:strVal val="visible"/>
+                                      </p:to>
+                                    </p:set>
+                                    <p:animEffect transition="in" filter="fade">
+                                      <p:cBhvr>
+                                        <p:cTn id="39" dur="500"/>
+                                        <p:tgtEl>
+                                          <p:spTgt spid="18"/>
+                                        </p:tgtEl>
+                                      </p:cBhvr>
+                                    </p:animEffect>
+                                  </p:childTnLst>
+                                </p:cTn>
+                              </p:par>
+                            </p:childTnLst>
+                          </p:cTn>
+                        </p:par>
+                      </p:childTnLst>
+                    </p:cTn>
+                  </p:par>
+                </p:childTnLst>
+              </p:cTn>
+              <p:prevCondLst>
+                <p:cond evt="onPrev" delay="0">
+                  <p:tgtEl>
+                    <p:sldTgt/>
+                  </p:tgtEl>
+                </p:cond>
+              </p:prevCondLst>
+              <p:nextCondLst>
+                <p:cond evt="onNext" delay="0">
+                  <p:tgtEl>
+                    <p:sldTgt/>
+                  </p:tgtEl>
+                </p:cond>
+              </p:nextCondLst>
+            </p:seq>
+          </p:childTnLst>
+        </p:cTn>
+      </p:par>
+    </p:tnLst>
+    <p:bldLst>
+      <p:bldP spid="10" grpId="0" animBg="1"/>
+      <p:bldP spid="12" grpId="0" animBg="1"/>
+      <p:bldP spid="17" grpId="0" animBg="1"/>
+      <p:bldP spid="5" grpId="0" animBg="1"/>
+    </p:bldLst>
+  </p:timing>
+</p:sld>
+</file>
+
+<file path=ppt/slides/slide11.xml><?xml version="1.0" encoding="utf-8"?>
+<p:sld xmlns:a="http://schemas.openxmlformats.org/drawingml/2006/main" xmlns:r="http://schemas.openxmlformats.org/officeDocument/2006/relationships" xmlns:p="http://schemas.openxmlformats.org/presentationml/2006/main">
+  <p:cSld>
+    <p:spTree>
+      <p:nvGrpSpPr>
+        <p:cNvPr id="1" name="">
+          <a:extLst>
+            <a:ext uri="{FF2B5EF4-FFF2-40B4-BE49-F238E27FC236}">
               <a16:creationId xmlns:a16="http://schemas.microsoft.com/office/drawing/2014/main" id="{52C1ACB4-7BAF-1166-84F7-AFC488F1D3D6}"/>
             </a:ext>
           </a:extLst>
@@ -6496,7 +7456,7 @@
 </p:sld>
 </file>
 
-<file path=ppt/slides/slide11.xml><?xml version="1.0" encoding="utf-8"?>
+<file path=ppt/slides/slide12.xml><?xml version="1.0" encoding="utf-8"?>
 <p:sld xmlns:a="http://schemas.openxmlformats.org/drawingml/2006/main" xmlns:r="http://schemas.openxmlformats.org/officeDocument/2006/relationships" xmlns:p="http://schemas.openxmlformats.org/presentationml/2006/main">
   <p:cSld>
     <p:spTree>
@@ -7268,7 +8228,7 @@
 </p:sld>
 </file>
 
-<file path=ppt/slides/slide12.xml><?xml version="1.0" encoding="utf-8"?>
+<file path=ppt/slides/slide13.xml><?xml version="1.0" encoding="utf-8"?>
 <p:sld xmlns:a="http://schemas.openxmlformats.org/drawingml/2006/main" xmlns:r="http://schemas.openxmlformats.org/officeDocument/2006/relationships" xmlns:p="http://schemas.openxmlformats.org/presentationml/2006/main">
   <p:cSld>
     <p:spTree>
@@ -8872,7 +9832,7 @@
 </p:sld>
 </file>
 
-<file path=ppt/slides/slide13.xml><?xml version="1.0" encoding="utf-8"?>
+<file path=ppt/slides/slide14.xml><?xml version="1.0" encoding="utf-8"?>
 <p:sld xmlns:a="http://schemas.openxmlformats.org/drawingml/2006/main" xmlns:r="http://schemas.openxmlformats.org/officeDocument/2006/relationships" xmlns:p="http://schemas.openxmlformats.org/presentationml/2006/main">
   <p:cSld>
     <p:spTree>
@@ -9637,7 +10597,7 @@
 </p:sld>
 </file>
 
-<file path=ppt/slides/slide14.xml><?xml version="1.0" encoding="utf-8"?>
+<file path=ppt/slides/slide15.xml><?xml version="1.0" encoding="utf-8"?>
 <p:sld xmlns:a="http://schemas.openxmlformats.org/drawingml/2006/main" xmlns:r="http://schemas.openxmlformats.org/officeDocument/2006/relationships" xmlns:p="http://schemas.openxmlformats.org/presentationml/2006/main">
   <p:cSld>
     <p:spTree>
@@ -10402,7 +11362,7 @@
 </p:sld>
 </file>
 
-<file path=ppt/slides/slide15.xml><?xml version="1.0" encoding="utf-8"?>
+<file path=ppt/slides/slide16.xml><?xml version="1.0" encoding="utf-8"?>
 <p:sld xmlns:a="http://schemas.openxmlformats.org/drawingml/2006/main" xmlns:r="http://schemas.openxmlformats.org/officeDocument/2006/relationships" xmlns:p="http://schemas.openxmlformats.org/presentationml/2006/main">
   <p:cSld>
     <p:spTree>
@@ -10793,7 +11753,7 @@
 </p:sld>
 </file>
 
-<file path=ppt/slides/slide16.xml><?xml version="1.0" encoding="utf-8"?>
+<file path=ppt/slides/slide17.xml><?xml version="1.0" encoding="utf-8"?>
 <p:sld xmlns:a="http://schemas.openxmlformats.org/drawingml/2006/main" xmlns:r="http://schemas.openxmlformats.org/officeDocument/2006/relationships" xmlns:p="http://schemas.openxmlformats.org/presentationml/2006/main">
   <p:cSld>
     <p:spTree>
@@ -11558,7 +12518,7 @@
 </p:sld>
 </file>
 
-<file path=ppt/slides/slide17.xml><?xml version="1.0" encoding="utf-8"?>
+<file path=ppt/slides/slide18.xml><?xml version="1.0" encoding="utf-8"?>
 <p:sld xmlns:a="http://schemas.openxmlformats.org/drawingml/2006/main" xmlns:r="http://schemas.openxmlformats.org/officeDocument/2006/relationships" xmlns:p="http://schemas.openxmlformats.org/presentationml/2006/main">
   <p:cSld>
     <p:spTree>
@@ -13179,7 +14139,7 @@
 </p:sld>
 </file>
 
-<file path=ppt/slides/slide18.xml><?xml version="1.0" encoding="utf-8"?>
+<file path=ppt/slides/slide19.xml><?xml version="1.0" encoding="utf-8"?>
 <p:sld xmlns:a="http://schemas.openxmlformats.org/drawingml/2006/main" xmlns:r="http://schemas.openxmlformats.org/officeDocument/2006/relationships" xmlns:p="http://schemas.openxmlformats.org/presentationml/2006/main">
   <p:cSld>
     <p:spTree>
@@ -13385,102 +14345,6 @@
 </p:sld>
 </file>
 
-<file path=ppt/slides/slide19.xml><?xml version="1.0" encoding="utf-8"?>
-<p:sld xmlns:a="http://schemas.openxmlformats.org/drawingml/2006/main" xmlns:r="http://schemas.openxmlformats.org/officeDocument/2006/relationships" xmlns:p="http://schemas.openxmlformats.org/presentationml/2006/main">
-  <p:cSld>
-    <p:spTree>
-      <p:nvGrpSpPr>
-        <p:cNvPr id="1" name=""/>
-        <p:cNvGrpSpPr/>
-        <p:nvPr/>
-      </p:nvGrpSpPr>
-      <p:grpSpPr>
-        <a:xfrm>
-          <a:off x="0" y="0"/>
-          <a:ext cx="0" cy="0"/>
-          <a:chOff x="0" y="0"/>
-          <a:chExt cx="0" cy="0"/>
-        </a:xfrm>
-      </p:grpSpPr>
-      <p:sp>
-        <p:nvSpPr>
-          <p:cNvPr id="10" name="TextBox 9">
-            <a:extLst>
-              <a:ext uri="{FF2B5EF4-FFF2-40B4-BE49-F238E27FC236}">
-                <a16:creationId xmlns:a16="http://schemas.microsoft.com/office/drawing/2014/main" id="{248C59C4-DE8A-EBE0-942B-A104BF1C25CB}"/>
-              </a:ext>
-            </a:extLst>
-          </p:cNvPr>
-          <p:cNvSpPr txBox="1"/>
-          <p:nvPr/>
-        </p:nvSpPr>
-        <p:spPr>
-          <a:xfrm>
-            <a:off x="589190" y="5201765"/>
-            <a:ext cx="10197193" cy="830997"/>
-          </a:xfrm>
-          <a:prstGeom prst="rect">
-            <a:avLst/>
-          </a:prstGeom>
-          <a:noFill/>
-        </p:spPr>
-        <p:txBody>
-          <a:bodyPr wrap="square" rtlCol="0">
-            <a:spAutoFit/>
-          </a:bodyPr>
-          <a:lstStyle/>
-          <a:p>
-            <a:r>
-              <a:rPr lang="en-US" sz="2400" dirty="0"/>
-              <a:t>A nearly even split:- opportunity to convert Free users with targeted upsell campaigns.</a:t>
-            </a:r>
-            <a:endParaRPr lang="en-AU" sz="2400" dirty="0"/>
-          </a:p>
-        </p:txBody>
-      </p:sp>
-      <p:pic>
-        <p:nvPicPr>
-          <p:cNvPr id="14" name="Picture 13">
-            <a:extLst>
-              <a:ext uri="{FF2B5EF4-FFF2-40B4-BE49-F238E27FC236}">
-                <a16:creationId xmlns:a16="http://schemas.microsoft.com/office/drawing/2014/main" id="{79EAC109-A859-FA8F-5C8E-FF1C0F682FB9}"/>
-              </a:ext>
-            </a:extLst>
-          </p:cNvPr>
-          <p:cNvPicPr>
-            <a:picLocks noChangeAspect="1"/>
-          </p:cNvPicPr>
-          <p:nvPr/>
-        </p:nvPicPr>
-        <p:blipFill>
-          <a:blip r:embed="rId2"/>
-          <a:stretch>
-            <a:fillRect/>
-          </a:stretch>
-        </p:blipFill>
-        <p:spPr>
-          <a:xfrm>
-            <a:off x="738639" y="482338"/>
-            <a:ext cx="5252585" cy="4492233"/>
-          </a:xfrm>
-          <a:prstGeom prst="rect">
-            <a:avLst/>
-          </a:prstGeom>
-        </p:spPr>
-      </p:pic>
-    </p:spTree>
-    <p:extLst>
-      <p:ext uri="{BB962C8B-B14F-4D97-AF65-F5344CB8AC3E}">
-        <p14:creationId xmlns:p14="http://schemas.microsoft.com/office/powerpoint/2010/main" val="2587067466"/>
-      </p:ext>
-    </p:extLst>
-  </p:cSld>
-  <p:clrMapOvr>
-    <a:masterClrMapping/>
-  </p:clrMapOvr>
-</p:sld>
-</file>
-
 <file path=ppt/slides/slide2.xml><?xml version="1.0" encoding="utf-8"?>
 <p:sld xmlns:a="http://schemas.openxmlformats.org/drawingml/2006/main" xmlns:r="http://schemas.openxmlformats.org/officeDocument/2006/relationships" xmlns:p="http://schemas.openxmlformats.org/presentationml/2006/main">
   <p:cSld>
@@ -13574,6 +14438,102 @@
   <p:cSld>
     <p:spTree>
       <p:nvGrpSpPr>
+        <p:cNvPr id="1" name=""/>
+        <p:cNvGrpSpPr/>
+        <p:nvPr/>
+      </p:nvGrpSpPr>
+      <p:grpSpPr>
+        <a:xfrm>
+          <a:off x="0" y="0"/>
+          <a:ext cx="0" cy="0"/>
+          <a:chOff x="0" y="0"/>
+          <a:chExt cx="0" cy="0"/>
+        </a:xfrm>
+      </p:grpSpPr>
+      <p:sp>
+        <p:nvSpPr>
+          <p:cNvPr id="10" name="TextBox 9">
+            <a:extLst>
+              <a:ext uri="{FF2B5EF4-FFF2-40B4-BE49-F238E27FC236}">
+                <a16:creationId xmlns:a16="http://schemas.microsoft.com/office/drawing/2014/main" id="{248C59C4-DE8A-EBE0-942B-A104BF1C25CB}"/>
+              </a:ext>
+            </a:extLst>
+          </p:cNvPr>
+          <p:cNvSpPr txBox="1"/>
+          <p:nvPr/>
+        </p:nvSpPr>
+        <p:spPr>
+          <a:xfrm>
+            <a:off x="589190" y="5201765"/>
+            <a:ext cx="10197193" cy="830997"/>
+          </a:xfrm>
+          <a:prstGeom prst="rect">
+            <a:avLst/>
+          </a:prstGeom>
+          <a:noFill/>
+        </p:spPr>
+        <p:txBody>
+          <a:bodyPr wrap="square" rtlCol="0">
+            <a:spAutoFit/>
+          </a:bodyPr>
+          <a:lstStyle/>
+          <a:p>
+            <a:r>
+              <a:rPr lang="en-US" sz="2400" dirty="0"/>
+              <a:t>A nearly even split:- opportunity to convert Free users with targeted upsell campaigns.</a:t>
+            </a:r>
+            <a:endParaRPr lang="en-AU" sz="2400" dirty="0"/>
+          </a:p>
+        </p:txBody>
+      </p:sp>
+      <p:pic>
+        <p:nvPicPr>
+          <p:cNvPr id="14" name="Picture 13">
+            <a:extLst>
+              <a:ext uri="{FF2B5EF4-FFF2-40B4-BE49-F238E27FC236}">
+                <a16:creationId xmlns:a16="http://schemas.microsoft.com/office/drawing/2014/main" id="{79EAC109-A859-FA8F-5C8E-FF1C0F682FB9}"/>
+              </a:ext>
+            </a:extLst>
+          </p:cNvPr>
+          <p:cNvPicPr>
+            <a:picLocks noChangeAspect="1"/>
+          </p:cNvPicPr>
+          <p:nvPr/>
+        </p:nvPicPr>
+        <p:blipFill>
+          <a:blip r:embed="rId2"/>
+          <a:stretch>
+            <a:fillRect/>
+          </a:stretch>
+        </p:blipFill>
+        <p:spPr>
+          <a:xfrm>
+            <a:off x="738639" y="482338"/>
+            <a:ext cx="5252585" cy="4492233"/>
+          </a:xfrm>
+          <a:prstGeom prst="rect">
+            <a:avLst/>
+          </a:prstGeom>
+        </p:spPr>
+      </p:pic>
+    </p:spTree>
+    <p:extLst>
+      <p:ext uri="{BB962C8B-B14F-4D97-AF65-F5344CB8AC3E}">
+        <p14:creationId xmlns:p14="http://schemas.microsoft.com/office/powerpoint/2010/main" val="2587067466"/>
+      </p:ext>
+    </p:extLst>
+  </p:cSld>
+  <p:clrMapOvr>
+    <a:masterClrMapping/>
+  </p:clrMapOvr>
+</p:sld>
+</file>
+
+<file path=ppt/slides/slide21.xml><?xml version="1.0" encoding="utf-8"?>
+<p:sld xmlns:a="http://schemas.openxmlformats.org/drawingml/2006/main" xmlns:r="http://schemas.openxmlformats.org/officeDocument/2006/relationships" xmlns:p="http://schemas.openxmlformats.org/presentationml/2006/main">
+  <p:cSld>
+    <p:spTree>
+      <p:nvGrpSpPr>
         <p:cNvPr id="1" name="">
           <a:extLst>
             <a:ext uri="{FF2B5EF4-FFF2-40B4-BE49-F238E27FC236}">
@@ -13671,7 +14631,7 @@
 </p:sld>
 </file>
 
-<file path=ppt/slides/slide21.xml><?xml version="1.0" encoding="utf-8"?>
+<file path=ppt/slides/slide22.xml><?xml version="1.0" encoding="utf-8"?>
 <p:sld xmlns:a="http://schemas.openxmlformats.org/drawingml/2006/main" xmlns:r="http://schemas.openxmlformats.org/officeDocument/2006/relationships" xmlns:p="http://schemas.openxmlformats.org/presentationml/2006/main">
   <p:cSld>
     <p:spTree>
@@ -13837,7 +14797,7 @@
 </p:sld>
 </file>
 
-<file path=ppt/slides/slide22.xml><?xml version="1.0" encoding="utf-8"?>
+<file path=ppt/slides/slide23.xml><?xml version="1.0" encoding="utf-8"?>
 <p:sld xmlns:a="http://schemas.openxmlformats.org/drawingml/2006/main" xmlns:r="http://schemas.openxmlformats.org/officeDocument/2006/relationships" xmlns:p="http://schemas.openxmlformats.org/presentationml/2006/main">
   <p:cSld>
     <p:spTree>
@@ -13992,7 +14952,7 @@
 </p:sld>
 </file>
 
-<file path=ppt/slides/slide23.xml><?xml version="1.0" encoding="utf-8"?>
+<file path=ppt/slides/slide24.xml><?xml version="1.0" encoding="utf-8"?>
 <p:sld xmlns:a="http://schemas.openxmlformats.org/drawingml/2006/main" xmlns:r="http://schemas.openxmlformats.org/officeDocument/2006/relationships" xmlns:p="http://schemas.openxmlformats.org/presentationml/2006/main">
   <p:cSld>
     <p:spTree>
@@ -14155,7 +15115,7 @@
 </p:sld>
 </file>
 
-<file path=ppt/slides/slide24.xml><?xml version="1.0" encoding="utf-8"?>
+<file path=ppt/slides/slide25.xml><?xml version="1.0" encoding="utf-8"?>
 <p:sld xmlns:a="http://schemas.openxmlformats.org/drawingml/2006/main" xmlns:r="http://schemas.openxmlformats.org/officeDocument/2006/relationships" xmlns:p="http://schemas.openxmlformats.org/presentationml/2006/main">
   <p:cSld>
     <p:spTree>
@@ -14373,7 +15333,7 @@
 </p:sld>
 </file>
 
-<file path=ppt/slides/slide25.xml><?xml version="1.0" encoding="utf-8"?>
+<file path=ppt/slides/slide26.xml><?xml version="1.0" encoding="utf-8"?>
 <p:sld xmlns:a="http://schemas.openxmlformats.org/drawingml/2006/main" xmlns:r="http://schemas.openxmlformats.org/officeDocument/2006/relationships" xmlns:p="http://schemas.openxmlformats.org/presentationml/2006/main">
   <p:cSld>
     <p:spTree>
@@ -14588,7 +15548,7 @@
 </p:sld>
 </file>
 
-<file path=ppt/slides/slide26.xml><?xml version="1.0" encoding="utf-8"?>
+<file path=ppt/slides/slide27.xml><?xml version="1.0" encoding="utf-8"?>
 <p:sld xmlns:a="http://schemas.openxmlformats.org/drawingml/2006/main" xmlns:r="http://schemas.openxmlformats.org/officeDocument/2006/relationships" xmlns:p="http://schemas.openxmlformats.org/presentationml/2006/main">
   <p:cSld>
     <p:spTree>
@@ -14697,7 +15657,7 @@
 </p:sld>
 </file>
 
-<file path=ppt/slides/slide27.xml><?xml version="1.0" encoding="utf-8"?>
+<file path=ppt/slides/slide28.xml><?xml version="1.0" encoding="utf-8"?>
 <p:sld xmlns:a="http://schemas.openxmlformats.org/drawingml/2006/main" xmlns:r="http://schemas.openxmlformats.org/officeDocument/2006/relationships" xmlns:p="http://schemas.openxmlformats.org/presentationml/2006/main">
   <p:cSld>
     <p:spTree>
@@ -14806,7 +15766,7 @@
 </p:sld>
 </file>
 
-<file path=ppt/slides/slide28.xml><?xml version="1.0" encoding="utf-8"?>
+<file path=ppt/slides/slide29.xml><?xml version="1.0" encoding="utf-8"?>
 <p:sld xmlns:a="http://schemas.openxmlformats.org/drawingml/2006/main" xmlns:r="http://schemas.openxmlformats.org/officeDocument/2006/relationships" xmlns:p="http://schemas.openxmlformats.org/presentationml/2006/main">
   <p:cSld>
     <p:spTree>
@@ -14915,7 +15875,67 @@
 </p:sld>
 </file>
 
-<file path=ppt/slides/slide29.xml><?xml version="1.0" encoding="utf-8"?>
+<file path=ppt/slides/slide3.xml><?xml version="1.0" encoding="utf-8"?>
+<p:sld xmlns:a="http://schemas.openxmlformats.org/drawingml/2006/main" xmlns:r="http://schemas.openxmlformats.org/officeDocument/2006/relationships" xmlns:p="http://schemas.openxmlformats.org/presentationml/2006/main">
+  <p:cSld>
+    <p:spTree>
+      <p:nvGrpSpPr>
+        <p:cNvPr id="1" name=""/>
+        <p:cNvGrpSpPr/>
+        <p:nvPr/>
+      </p:nvGrpSpPr>
+      <p:grpSpPr>
+        <a:xfrm>
+          <a:off x="0" y="0"/>
+          <a:ext cx="0" cy="0"/>
+          <a:chOff x="0" y="0"/>
+          <a:chExt cx="0" cy="0"/>
+        </a:xfrm>
+      </p:grpSpPr>
+      <p:pic>
+        <p:nvPicPr>
+          <p:cNvPr id="5" name="Picture 4">
+            <a:extLst>
+              <a:ext uri="{FF2B5EF4-FFF2-40B4-BE49-F238E27FC236}">
+                <a16:creationId xmlns:a16="http://schemas.microsoft.com/office/drawing/2014/main" id="{88B31B96-95D7-7959-C67E-08F4810927D6}"/>
+              </a:ext>
+            </a:extLst>
+          </p:cNvPr>
+          <p:cNvPicPr>
+            <a:picLocks noChangeAspect="1"/>
+          </p:cNvPicPr>
+          <p:nvPr/>
+        </p:nvPicPr>
+        <p:blipFill>
+          <a:blip r:embed="rId2"/>
+          <a:stretch>
+            <a:fillRect/>
+          </a:stretch>
+        </p:blipFill>
+        <p:spPr>
+          <a:xfrm>
+            <a:off x="147637" y="1895475"/>
+            <a:ext cx="11896725" cy="3067050"/>
+          </a:xfrm>
+          <a:prstGeom prst="rect">
+            <a:avLst/>
+          </a:prstGeom>
+        </p:spPr>
+      </p:pic>
+    </p:spTree>
+    <p:extLst>
+      <p:ext uri="{BB962C8B-B14F-4D97-AF65-F5344CB8AC3E}">
+        <p14:creationId xmlns:p14="http://schemas.microsoft.com/office/powerpoint/2010/main" val="1960081985"/>
+      </p:ext>
+    </p:extLst>
+  </p:cSld>
+  <p:clrMapOvr>
+    <a:masterClrMapping/>
+  </p:clrMapOvr>
+</p:sld>
+</file>
+
+<file path=ppt/slides/slide30.xml><?xml version="1.0" encoding="utf-8"?>
 <p:sld xmlns:a="http://schemas.openxmlformats.org/drawingml/2006/main" xmlns:r="http://schemas.openxmlformats.org/officeDocument/2006/relationships" xmlns:p="http://schemas.openxmlformats.org/presentationml/2006/main">
   <p:cSld>
     <p:spTree>
@@ -15125,117 +16145,7 @@
 </p:sld>
 </file>
 
-<file path=ppt/slides/slide3.xml><?xml version="1.0" encoding="utf-8"?>
-<p:sld xmlns:a="http://schemas.openxmlformats.org/drawingml/2006/main" xmlns:r="http://schemas.openxmlformats.org/officeDocument/2006/relationships" xmlns:p="http://schemas.openxmlformats.org/presentationml/2006/main">
-  <p:cSld>
-    <p:spTree>
-      <p:nvGrpSpPr>
-        <p:cNvPr id="1" name=""/>
-        <p:cNvGrpSpPr/>
-        <p:nvPr/>
-      </p:nvGrpSpPr>
-      <p:grpSpPr>
-        <a:xfrm>
-          <a:off x="0" y="0"/>
-          <a:ext cx="0" cy="0"/>
-          <a:chOff x="0" y="0"/>
-          <a:chExt cx="0" cy="0"/>
-        </a:xfrm>
-      </p:grpSpPr>
-      <p:sp>
-        <p:nvSpPr>
-          <p:cNvPr id="2" name="Title 1">
-            <a:extLst>
-              <a:ext uri="{FF2B5EF4-FFF2-40B4-BE49-F238E27FC236}">
-                <a16:creationId xmlns:a16="http://schemas.microsoft.com/office/drawing/2014/main" id="{5C6343FC-9921-E615-0BBB-A0110EDBEE56}"/>
-              </a:ext>
-            </a:extLst>
-          </p:cNvPr>
-          <p:cNvSpPr>
-            <a:spLocks noGrp="1"/>
-          </p:cNvSpPr>
-          <p:nvPr>
-            <p:ph type="title"/>
-          </p:nvPr>
-        </p:nvSpPr>
-        <p:spPr/>
-        <p:txBody>
-          <a:bodyPr/>
-          <a:lstStyle/>
-          <a:p>
-            <a:endParaRPr lang="en-AU"/>
-          </a:p>
-        </p:txBody>
-      </p:sp>
-      <p:sp>
-        <p:nvSpPr>
-          <p:cNvPr id="7" name="Content Placeholder 6">
-            <a:extLst>
-              <a:ext uri="{FF2B5EF4-FFF2-40B4-BE49-F238E27FC236}">
-                <a16:creationId xmlns:a16="http://schemas.microsoft.com/office/drawing/2014/main" id="{5D639679-755C-9EB3-3992-875AA53A7B74}"/>
-              </a:ext>
-            </a:extLst>
-          </p:cNvPr>
-          <p:cNvSpPr>
-            <a:spLocks noGrp="1"/>
-          </p:cNvSpPr>
-          <p:nvPr>
-            <p:ph idx="1"/>
-          </p:nvPr>
-        </p:nvSpPr>
-        <p:spPr/>
-        <p:txBody>
-          <a:bodyPr/>
-          <a:lstStyle/>
-          <a:p>
-            <a:endParaRPr lang="en-AU"/>
-          </a:p>
-        </p:txBody>
-      </p:sp>
-      <p:pic>
-        <p:nvPicPr>
-          <p:cNvPr id="8" name="Content Placeholder 4">
-            <a:extLst>
-              <a:ext uri="{FF2B5EF4-FFF2-40B4-BE49-F238E27FC236}">
-                <a16:creationId xmlns:a16="http://schemas.microsoft.com/office/drawing/2014/main" id="{9AB5E448-63C3-5412-B1C4-96E8EF619DB3}"/>
-              </a:ext>
-            </a:extLst>
-          </p:cNvPr>
-          <p:cNvPicPr>
-            <a:picLocks noChangeAspect="1"/>
-          </p:cNvPicPr>
-          <p:nvPr/>
-        </p:nvPicPr>
-        <p:blipFill>
-          <a:blip r:embed="rId2"/>
-          <a:stretch>
-            <a:fillRect/>
-          </a:stretch>
-        </p:blipFill>
-        <p:spPr>
-          <a:xfrm>
-            <a:off x="0" y="-1"/>
-            <a:ext cx="12192000" cy="6855713"/>
-          </a:xfrm>
-          <a:prstGeom prst="rect">
-            <a:avLst/>
-          </a:prstGeom>
-        </p:spPr>
-      </p:pic>
-    </p:spTree>
-    <p:extLst>
-      <p:ext uri="{BB962C8B-B14F-4D97-AF65-F5344CB8AC3E}">
-        <p14:creationId xmlns:p14="http://schemas.microsoft.com/office/powerpoint/2010/main" val="1668600044"/>
-      </p:ext>
-    </p:extLst>
-  </p:cSld>
-  <p:clrMapOvr>
-    <a:masterClrMapping/>
-  </p:clrMapOvr>
-</p:sld>
-</file>
-
-<file path=ppt/slides/slide30.xml><?xml version="1.0" encoding="utf-8"?>
+<file path=ppt/slides/slide31.xml><?xml version="1.0" encoding="utf-8"?>
 <p:sld xmlns:a="http://schemas.openxmlformats.org/drawingml/2006/main" xmlns:r="http://schemas.openxmlformats.org/officeDocument/2006/relationships" xmlns:p="http://schemas.openxmlformats.org/presentationml/2006/main">
   <p:cSld>
     <p:spTree>
@@ -15430,6 +16340,66 @@
           <a:chExt cx="0" cy="0"/>
         </a:xfrm>
       </p:grpSpPr>
+      <p:pic>
+        <p:nvPicPr>
+          <p:cNvPr id="5" name="Picture 4">
+            <a:extLst>
+              <a:ext uri="{FF2B5EF4-FFF2-40B4-BE49-F238E27FC236}">
+                <a16:creationId xmlns:a16="http://schemas.microsoft.com/office/drawing/2014/main" id="{A734EA59-3E8A-7B68-353A-38A25C4E7566}"/>
+              </a:ext>
+            </a:extLst>
+          </p:cNvPr>
+          <p:cNvPicPr>
+            <a:picLocks noChangeAspect="1"/>
+          </p:cNvPicPr>
+          <p:nvPr/>
+        </p:nvPicPr>
+        <p:blipFill>
+          <a:blip r:embed="rId2"/>
+          <a:stretch>
+            <a:fillRect/>
+          </a:stretch>
+        </p:blipFill>
+        <p:spPr>
+          <a:xfrm>
+            <a:off x="0" y="556663"/>
+            <a:ext cx="12192000" cy="5744673"/>
+          </a:xfrm>
+          <a:prstGeom prst="rect">
+            <a:avLst/>
+          </a:prstGeom>
+        </p:spPr>
+      </p:pic>
+    </p:spTree>
+    <p:extLst>
+      <p:ext uri="{BB962C8B-B14F-4D97-AF65-F5344CB8AC3E}">
+        <p14:creationId xmlns:p14="http://schemas.microsoft.com/office/powerpoint/2010/main" val="1699218451"/>
+      </p:ext>
+    </p:extLst>
+  </p:cSld>
+  <p:clrMapOvr>
+    <a:masterClrMapping/>
+  </p:clrMapOvr>
+</p:sld>
+</file>
+
+<file path=ppt/slides/slide6.xml><?xml version="1.0" encoding="utf-8"?>
+<p:sld xmlns:a="http://schemas.openxmlformats.org/drawingml/2006/main" xmlns:r="http://schemas.openxmlformats.org/officeDocument/2006/relationships" xmlns:p="http://schemas.openxmlformats.org/presentationml/2006/main">
+  <p:cSld>
+    <p:spTree>
+      <p:nvGrpSpPr>
+        <p:cNvPr id="1" name=""/>
+        <p:cNvGrpSpPr/>
+        <p:nvPr/>
+      </p:nvGrpSpPr>
+      <p:grpSpPr>
+        <a:xfrm>
+          <a:off x="0" y="0"/>
+          <a:ext cx="0" cy="0"/>
+          <a:chOff x="0" y="0"/>
+          <a:chExt cx="0" cy="0"/>
+        </a:xfrm>
+      </p:grpSpPr>
       <p:sp>
         <p:nvSpPr>
           <p:cNvPr id="2" name="Title 1">
@@ -15523,7 +16493,7 @@
 </p:sld>
 </file>
 
-<file path=ppt/slides/slide6.xml><?xml version="1.0" encoding="utf-8"?>
+<file path=ppt/slides/slide7.xml><?xml version="1.0" encoding="utf-8"?>
 <p:sld xmlns:a="http://schemas.openxmlformats.org/drawingml/2006/main" xmlns:r="http://schemas.openxmlformats.org/officeDocument/2006/relationships" xmlns:p="http://schemas.openxmlformats.org/presentationml/2006/main">
   <p:cSld>
     <p:spTree>
@@ -15607,7 +16577,7 @@
 </p:sld>
 </file>
 
-<file path=ppt/slides/slide7.xml><?xml version="1.0" encoding="utf-8"?>
+<file path=ppt/slides/slide8.xml><?xml version="1.0" encoding="utf-8"?>
 <p:sld xmlns:a="http://schemas.openxmlformats.org/drawingml/2006/main" xmlns:r="http://schemas.openxmlformats.org/officeDocument/2006/relationships" xmlns:p="http://schemas.openxmlformats.org/presentationml/2006/main">
   <p:cSld>
     <p:spTree>
@@ -16558,7 +17528,7 @@
 </p:sld>
 </file>
 
-<file path=ppt/slides/slide8.xml><?xml version="1.0" encoding="utf-8"?>
+<file path=ppt/slides/slide9.xml><?xml version="1.0" encoding="utf-8"?>
 <p:sld xmlns:a="http://schemas.openxmlformats.org/drawingml/2006/main" xmlns:r="http://schemas.openxmlformats.org/officeDocument/2006/relationships" xmlns:p="http://schemas.openxmlformats.org/presentationml/2006/main">
   <p:cSld>
     <p:spTree>
@@ -17704,965 +18674,6 @@
 </p:sld>
 </file>
 
-<file path=ppt/slides/slide9.xml><?xml version="1.0" encoding="utf-8"?>
-<p:sld xmlns:a="http://schemas.openxmlformats.org/drawingml/2006/main" xmlns:r="http://schemas.openxmlformats.org/officeDocument/2006/relationships" xmlns:p="http://schemas.openxmlformats.org/presentationml/2006/main">
-  <p:cSld>
-    <p:spTree>
-      <p:nvGrpSpPr>
-        <p:cNvPr id="1" name="">
-          <a:extLst>
-            <a:ext uri="{FF2B5EF4-FFF2-40B4-BE49-F238E27FC236}">
-              <a16:creationId xmlns:a16="http://schemas.microsoft.com/office/drawing/2014/main" id="{0AA5D4C4-5777-9B81-517C-0D493DEE5F6C}"/>
-            </a:ext>
-          </a:extLst>
-        </p:cNvPr>
-        <p:cNvGrpSpPr/>
-        <p:nvPr/>
-      </p:nvGrpSpPr>
-      <p:grpSpPr>
-        <a:xfrm>
-          <a:off x="0" y="0"/>
-          <a:ext cx="0" cy="0"/>
-          <a:chOff x="0" y="0"/>
-          <a:chExt cx="0" cy="0"/>
-        </a:xfrm>
-      </p:grpSpPr>
-      <p:sp>
-        <p:nvSpPr>
-          <p:cNvPr id="4" name="Rectangle: Rounded Corners 3">
-            <a:extLst>
-              <a:ext uri="{FF2B5EF4-FFF2-40B4-BE49-F238E27FC236}">
-                <a16:creationId xmlns:a16="http://schemas.microsoft.com/office/drawing/2014/main" id="{D0723D8B-9B4E-C21A-AD67-A16EEC320727}"/>
-              </a:ext>
-            </a:extLst>
-          </p:cNvPr>
-          <p:cNvSpPr/>
-          <p:nvPr/>
-        </p:nvSpPr>
-        <p:spPr>
-          <a:xfrm>
-            <a:off x="2131667" y="2235629"/>
-            <a:ext cx="8368496" cy="2389693"/>
-          </a:xfrm>
-          <a:prstGeom prst="roundRect">
-            <a:avLst/>
-          </a:prstGeom>
-          <a:solidFill>
-            <a:srgbClr val="48CAE4"/>
-          </a:solidFill>
-          <a:ln w="38100"/>
-        </p:spPr>
-        <p:style>
-          <a:lnRef idx="2">
-            <a:schemeClr val="accent1">
-              <a:shade val="15000"/>
-            </a:schemeClr>
-          </a:lnRef>
-          <a:fillRef idx="1">
-            <a:schemeClr val="accent1"/>
-          </a:fillRef>
-          <a:effectRef idx="0">
-            <a:schemeClr val="accent1"/>
-          </a:effectRef>
-          <a:fontRef idx="minor">
-            <a:schemeClr val="lt1"/>
-          </a:fontRef>
-        </p:style>
-        <p:txBody>
-          <a:bodyPr rtlCol="0" anchor="ctr"/>
-          <a:lstStyle/>
-          <a:p>
-            <a:pPr algn="ctr"/>
-            <a:r>
-              <a:rPr lang="en-AU" sz="6000" dirty="0"/>
-              <a:t>Age Group</a:t>
-            </a:r>
-          </a:p>
-          <a:p>
-            <a:pPr algn="ctr"/>
-            <a:r>
-              <a:rPr lang="en-AU" sz="5000" dirty="0"/>
-              <a:t>Young Adult (20 - 35)</a:t>
-            </a:r>
-          </a:p>
-        </p:txBody>
-      </p:sp>
-      <p:pic>
-        <p:nvPicPr>
-          <p:cNvPr id="9" name="Picture 8">
-            <a:extLst>
-              <a:ext uri="{FF2B5EF4-FFF2-40B4-BE49-F238E27FC236}">
-                <a16:creationId xmlns:a16="http://schemas.microsoft.com/office/drawing/2014/main" id="{F01C7C14-3E39-C921-5671-4878B492CC96}"/>
-              </a:ext>
-            </a:extLst>
-          </p:cNvPr>
-          <p:cNvPicPr>
-            <a:picLocks noChangeAspect="1"/>
-          </p:cNvPicPr>
-          <p:nvPr/>
-        </p:nvPicPr>
-        <p:blipFill>
-          <a:blip r:embed="rId2"/>
-          <a:stretch>
-            <a:fillRect/>
-          </a:stretch>
-        </p:blipFill>
-        <p:spPr>
-          <a:xfrm>
-            <a:off x="171450" y="23525"/>
-            <a:ext cx="11866221" cy="6801138"/>
-          </a:xfrm>
-          <a:prstGeom prst="rect">
-            <a:avLst/>
-          </a:prstGeom>
-        </p:spPr>
-      </p:pic>
-      <p:sp>
-        <p:nvSpPr>
-          <p:cNvPr id="10" name="Rectangle: Rounded Corners 9">
-            <a:extLst>
-              <a:ext uri="{FF2B5EF4-FFF2-40B4-BE49-F238E27FC236}">
-                <a16:creationId xmlns:a16="http://schemas.microsoft.com/office/drawing/2014/main" id="{1AAA87DF-75DD-C9B1-8EF3-3985AE5F4ADD}"/>
-              </a:ext>
-            </a:extLst>
-          </p:cNvPr>
-          <p:cNvSpPr/>
-          <p:nvPr/>
-        </p:nvSpPr>
-        <p:spPr>
-          <a:xfrm>
-            <a:off x="3109488" y="1651201"/>
-            <a:ext cx="542925" cy="333375"/>
-          </a:xfrm>
-          <a:prstGeom prst="roundRect">
-            <a:avLst/>
-          </a:prstGeom>
-          <a:noFill/>
-          <a:ln w="28575">
-            <a:solidFill>
-              <a:srgbClr val="FF0000"/>
-            </a:solidFill>
-          </a:ln>
-        </p:spPr>
-        <p:style>
-          <a:lnRef idx="2">
-            <a:schemeClr val="accent1">
-              <a:shade val="15000"/>
-            </a:schemeClr>
-          </a:lnRef>
-          <a:fillRef idx="1">
-            <a:schemeClr val="accent1"/>
-          </a:fillRef>
-          <a:effectRef idx="0">
-            <a:schemeClr val="accent1"/>
-          </a:effectRef>
-          <a:fontRef idx="minor">
-            <a:schemeClr val="lt1"/>
-          </a:fontRef>
-        </p:style>
-        <p:txBody>
-          <a:bodyPr rtlCol="0" anchor="ctr"/>
-          <a:lstStyle/>
-          <a:p>
-            <a:pPr algn="ctr"/>
-            <a:endParaRPr lang="en-AU"/>
-          </a:p>
-        </p:txBody>
-      </p:sp>
-      <p:cxnSp>
-        <p:nvCxnSpPr>
-          <p:cNvPr id="11" name="Straight Arrow Connector 10">
-            <a:extLst>
-              <a:ext uri="{FF2B5EF4-FFF2-40B4-BE49-F238E27FC236}">
-                <a16:creationId xmlns:a16="http://schemas.microsoft.com/office/drawing/2014/main" id="{3520EE62-DA1B-4C23-65AB-994120709869}"/>
-              </a:ext>
-            </a:extLst>
-          </p:cNvPr>
-          <p:cNvCxnSpPr>
-            <a:cxnSpLocks/>
-          </p:cNvCxnSpPr>
-          <p:nvPr/>
-        </p:nvCxnSpPr>
-        <p:spPr>
-          <a:xfrm flipV="1">
-            <a:off x="1586092" y="1817225"/>
-            <a:ext cx="1353877" cy="86933"/>
-          </a:xfrm>
-          <a:prstGeom prst="straightConnector1">
-            <a:avLst/>
-          </a:prstGeom>
-          <a:ln w="28575">
-            <a:solidFill>
-              <a:srgbClr val="FF0000">
-                <a:alpha val="60000"/>
-              </a:srgbClr>
-            </a:solidFill>
-            <a:tailEnd type="triangle"/>
-          </a:ln>
-        </p:spPr>
-        <p:style>
-          <a:lnRef idx="1">
-            <a:schemeClr val="accent1"/>
-          </a:lnRef>
-          <a:fillRef idx="0">
-            <a:schemeClr val="accent1"/>
-          </a:fillRef>
-          <a:effectRef idx="0">
-            <a:schemeClr val="accent1"/>
-          </a:effectRef>
-          <a:fontRef idx="minor">
-            <a:schemeClr val="tx1"/>
-          </a:fontRef>
-        </p:style>
-      </p:cxnSp>
-      <p:sp>
-        <p:nvSpPr>
-          <p:cNvPr id="12" name="Rectangle: Rounded Corners 11">
-            <a:extLst>
-              <a:ext uri="{FF2B5EF4-FFF2-40B4-BE49-F238E27FC236}">
-                <a16:creationId xmlns:a16="http://schemas.microsoft.com/office/drawing/2014/main" id="{4D68AB48-A2D6-39A5-AFC6-23E43D38B1FB}"/>
-              </a:ext>
-            </a:extLst>
-          </p:cNvPr>
-          <p:cNvSpPr/>
-          <p:nvPr/>
-        </p:nvSpPr>
-        <p:spPr>
-          <a:xfrm>
-            <a:off x="3101416" y="4428392"/>
-            <a:ext cx="447675" cy="238126"/>
-          </a:xfrm>
-          <a:prstGeom prst="roundRect">
-            <a:avLst/>
-          </a:prstGeom>
-          <a:noFill/>
-          <a:ln w="28575">
-            <a:solidFill>
-              <a:srgbClr val="FF0000"/>
-            </a:solidFill>
-          </a:ln>
-        </p:spPr>
-        <p:style>
-          <a:lnRef idx="2">
-            <a:schemeClr val="accent1">
-              <a:shade val="15000"/>
-            </a:schemeClr>
-          </a:lnRef>
-          <a:fillRef idx="1">
-            <a:schemeClr val="accent1"/>
-          </a:fillRef>
-          <a:effectRef idx="0">
-            <a:schemeClr val="accent1"/>
-          </a:effectRef>
-          <a:fontRef idx="minor">
-            <a:schemeClr val="lt1"/>
-          </a:fontRef>
-        </p:style>
-        <p:txBody>
-          <a:bodyPr rtlCol="0" anchor="ctr"/>
-          <a:lstStyle/>
-          <a:p>
-            <a:pPr algn="ctr"/>
-            <a:endParaRPr lang="en-AU"/>
-          </a:p>
-        </p:txBody>
-      </p:sp>
-      <p:cxnSp>
-        <p:nvCxnSpPr>
-          <p:cNvPr id="13" name="Straight Arrow Connector 12">
-            <a:extLst>
-              <a:ext uri="{FF2B5EF4-FFF2-40B4-BE49-F238E27FC236}">
-                <a16:creationId xmlns:a16="http://schemas.microsoft.com/office/drawing/2014/main" id="{08D55D35-6A51-4DDB-62BB-AE7B6A27F75F}"/>
-              </a:ext>
-            </a:extLst>
-          </p:cNvPr>
-          <p:cNvCxnSpPr>
-            <a:cxnSpLocks/>
-          </p:cNvCxnSpPr>
-          <p:nvPr/>
-        </p:nvCxnSpPr>
-        <p:spPr>
-          <a:xfrm>
-            <a:off x="2571150" y="4305426"/>
-            <a:ext cx="523875" cy="114299"/>
-          </a:xfrm>
-          <a:prstGeom prst="straightConnector1">
-            <a:avLst/>
-          </a:prstGeom>
-          <a:ln w="28575">
-            <a:solidFill>
-              <a:srgbClr val="FF0000">
-                <a:alpha val="60000"/>
-              </a:srgbClr>
-            </a:solidFill>
-            <a:tailEnd type="triangle"/>
-          </a:ln>
-        </p:spPr>
-        <p:style>
-          <a:lnRef idx="1">
-            <a:schemeClr val="accent1"/>
-          </a:lnRef>
-          <a:fillRef idx="0">
-            <a:schemeClr val="accent1"/>
-          </a:fillRef>
-          <a:effectRef idx="0">
-            <a:schemeClr val="accent1"/>
-          </a:effectRef>
-          <a:fontRef idx="minor">
-            <a:schemeClr val="tx1"/>
-          </a:fontRef>
-        </p:style>
-      </p:cxnSp>
-      <p:sp>
-        <p:nvSpPr>
-          <p:cNvPr id="17" name="Rectangle: Rounded Corners 16">
-            <a:extLst>
-              <a:ext uri="{FF2B5EF4-FFF2-40B4-BE49-F238E27FC236}">
-                <a16:creationId xmlns:a16="http://schemas.microsoft.com/office/drawing/2014/main" id="{6D31D41C-CB8F-E6DC-799A-97F151F819FA}"/>
-              </a:ext>
-            </a:extLst>
-          </p:cNvPr>
-          <p:cNvSpPr/>
-          <p:nvPr/>
-        </p:nvSpPr>
-        <p:spPr>
-          <a:xfrm>
-            <a:off x="9650872" y="1737470"/>
-            <a:ext cx="542925" cy="333375"/>
-          </a:xfrm>
-          <a:prstGeom prst="roundRect">
-            <a:avLst/>
-          </a:prstGeom>
-          <a:noFill/>
-          <a:ln w="28575">
-            <a:solidFill>
-              <a:srgbClr val="FF0000"/>
-            </a:solidFill>
-          </a:ln>
-        </p:spPr>
-        <p:style>
-          <a:lnRef idx="2">
-            <a:schemeClr val="accent1">
-              <a:shade val="15000"/>
-            </a:schemeClr>
-          </a:lnRef>
-          <a:fillRef idx="1">
-            <a:schemeClr val="accent1"/>
-          </a:fillRef>
-          <a:effectRef idx="0">
-            <a:schemeClr val="accent1"/>
-          </a:effectRef>
-          <a:fontRef idx="minor">
-            <a:schemeClr val="lt1"/>
-          </a:fontRef>
-        </p:style>
-        <p:txBody>
-          <a:bodyPr rtlCol="0" anchor="ctr"/>
-          <a:lstStyle/>
-          <a:p>
-            <a:pPr algn="ctr"/>
-            <a:endParaRPr lang="en-AU"/>
-          </a:p>
-        </p:txBody>
-      </p:sp>
-      <p:cxnSp>
-        <p:nvCxnSpPr>
-          <p:cNvPr id="18" name="Straight Arrow Connector 17">
-            <a:extLst>
-              <a:ext uri="{FF2B5EF4-FFF2-40B4-BE49-F238E27FC236}">
-                <a16:creationId xmlns:a16="http://schemas.microsoft.com/office/drawing/2014/main" id="{7189BE15-FCC3-1C07-6675-62ACB3B00354}"/>
-              </a:ext>
-            </a:extLst>
-          </p:cNvPr>
-          <p:cNvCxnSpPr>
-            <a:cxnSpLocks/>
-          </p:cNvCxnSpPr>
-          <p:nvPr/>
-        </p:nvCxnSpPr>
-        <p:spPr>
-          <a:xfrm>
-            <a:off x="9921434" y="552006"/>
-            <a:ext cx="0" cy="1092866"/>
-          </a:xfrm>
-          <a:prstGeom prst="straightConnector1">
-            <a:avLst/>
-          </a:prstGeom>
-          <a:ln w="28575">
-            <a:solidFill>
-              <a:srgbClr val="FF0000">
-                <a:alpha val="60000"/>
-              </a:srgbClr>
-            </a:solidFill>
-            <a:tailEnd type="triangle"/>
-          </a:ln>
-        </p:spPr>
-        <p:style>
-          <a:lnRef idx="1">
-            <a:schemeClr val="accent1"/>
-          </a:lnRef>
-          <a:fillRef idx="0">
-            <a:schemeClr val="accent1"/>
-          </a:fillRef>
-          <a:effectRef idx="0">
-            <a:schemeClr val="accent1"/>
-          </a:effectRef>
-          <a:fontRef idx="minor">
-            <a:schemeClr val="tx1"/>
-          </a:fontRef>
-        </p:style>
-      </p:cxnSp>
-      <p:sp>
-        <p:nvSpPr>
-          <p:cNvPr id="5" name="Rectangle: Rounded Corners 4">
-            <a:extLst>
-              <a:ext uri="{FF2B5EF4-FFF2-40B4-BE49-F238E27FC236}">
-                <a16:creationId xmlns:a16="http://schemas.microsoft.com/office/drawing/2014/main" id="{26B00B15-9F4C-016F-E087-2D86D0956CFE}"/>
-              </a:ext>
-            </a:extLst>
-          </p:cNvPr>
-          <p:cNvSpPr/>
-          <p:nvPr/>
-        </p:nvSpPr>
-        <p:spPr>
-          <a:xfrm>
-            <a:off x="3122991" y="2312888"/>
-            <a:ext cx="542925" cy="333375"/>
-          </a:xfrm>
-          <a:prstGeom prst="roundRect">
-            <a:avLst/>
-          </a:prstGeom>
-          <a:noFill/>
-          <a:ln w="28575">
-            <a:solidFill>
-              <a:srgbClr val="FF0000"/>
-            </a:solidFill>
-          </a:ln>
-        </p:spPr>
-        <p:style>
-          <a:lnRef idx="2">
-            <a:schemeClr val="accent1">
-              <a:shade val="15000"/>
-            </a:schemeClr>
-          </a:lnRef>
-          <a:fillRef idx="1">
-            <a:schemeClr val="accent1"/>
-          </a:fillRef>
-          <a:effectRef idx="0">
-            <a:schemeClr val="accent1"/>
-          </a:effectRef>
-          <a:fontRef idx="minor">
-            <a:schemeClr val="lt1"/>
-          </a:fontRef>
-        </p:style>
-        <p:txBody>
-          <a:bodyPr rtlCol="0" anchor="ctr"/>
-          <a:lstStyle/>
-          <a:p>
-            <a:pPr algn="ctr"/>
-            <a:endParaRPr lang="en-AU"/>
-          </a:p>
-        </p:txBody>
-      </p:sp>
-      <p:cxnSp>
-        <p:nvCxnSpPr>
-          <p:cNvPr id="6" name="Straight Arrow Connector 5">
-            <a:extLst>
-              <a:ext uri="{FF2B5EF4-FFF2-40B4-BE49-F238E27FC236}">
-                <a16:creationId xmlns:a16="http://schemas.microsoft.com/office/drawing/2014/main" id="{777FA130-27A4-D4C3-599E-899722973E2A}"/>
-              </a:ext>
-            </a:extLst>
-          </p:cNvPr>
-          <p:cNvCxnSpPr>
-            <a:cxnSpLocks/>
-          </p:cNvCxnSpPr>
-          <p:nvPr/>
-        </p:nvCxnSpPr>
-        <p:spPr>
-          <a:xfrm flipV="1">
-            <a:off x="2338085" y="2553665"/>
-            <a:ext cx="694482" cy="351580"/>
-          </a:xfrm>
-          <a:prstGeom prst="straightConnector1">
-            <a:avLst/>
-          </a:prstGeom>
-          <a:ln w="28575">
-            <a:solidFill>
-              <a:srgbClr val="FF0000">
-                <a:alpha val="60000"/>
-              </a:srgbClr>
-            </a:solidFill>
-            <a:tailEnd type="triangle"/>
-          </a:ln>
-        </p:spPr>
-        <p:style>
-          <a:lnRef idx="1">
-            <a:schemeClr val="accent1"/>
-          </a:lnRef>
-          <a:fillRef idx="0">
-            <a:schemeClr val="accent1"/>
-          </a:fillRef>
-          <a:effectRef idx="0">
-            <a:schemeClr val="accent1"/>
-          </a:effectRef>
-          <a:fontRef idx="minor">
-            <a:schemeClr val="tx1"/>
-          </a:fontRef>
-        </p:style>
-      </p:cxnSp>
-    </p:spTree>
-    <p:extLst>
-      <p:ext uri="{BB962C8B-B14F-4D97-AF65-F5344CB8AC3E}">
-        <p14:creationId xmlns:p14="http://schemas.microsoft.com/office/powerpoint/2010/main" val="2616268334"/>
-      </p:ext>
-    </p:extLst>
-  </p:cSld>
-  <p:clrMapOvr>
-    <a:masterClrMapping/>
-  </p:clrMapOvr>
-  <p:timing>
-    <p:tnLst>
-      <p:par>
-        <p:cTn id="1" dur="indefinite" restart="never" nodeType="tmRoot">
-          <p:childTnLst>
-            <p:seq concurrent="1" nextAc="seek">
-              <p:cTn id="2" dur="indefinite" nodeType="mainSeq">
-                <p:childTnLst>
-                  <p:par>
-                    <p:cTn id="3" fill="hold">
-                      <p:stCondLst>
-                        <p:cond delay="indefinite"/>
-                      </p:stCondLst>
-                      <p:childTnLst>
-                        <p:par>
-                          <p:cTn id="4" fill="hold">
-                            <p:stCondLst>
-                              <p:cond delay="0"/>
-                            </p:stCondLst>
-                            <p:childTnLst>
-                              <p:par>
-                                <p:cTn id="5" presetID="10" presetClass="entr" presetSubtype="0" fill="hold" nodeType="clickEffect">
-                                  <p:stCondLst>
-                                    <p:cond delay="0"/>
-                                  </p:stCondLst>
-                                  <p:childTnLst>
-                                    <p:set>
-                                      <p:cBhvr>
-                                        <p:cTn id="6" dur="1" fill="hold">
-                                          <p:stCondLst>
-                                            <p:cond delay="0"/>
-                                          </p:stCondLst>
-                                        </p:cTn>
-                                        <p:tgtEl>
-                                          <p:spTgt spid="9"/>
-                                        </p:tgtEl>
-                                        <p:attrNameLst>
-                                          <p:attrName>style.visibility</p:attrName>
-                                        </p:attrNameLst>
-                                      </p:cBhvr>
-                                      <p:to>
-                                        <p:strVal val="visible"/>
-                                      </p:to>
-                                    </p:set>
-                                    <p:animEffect transition="in" filter="fade">
-                                      <p:cBhvr>
-                                        <p:cTn id="7" dur="500"/>
-                                        <p:tgtEl>
-                                          <p:spTgt spid="9"/>
-                                        </p:tgtEl>
-                                      </p:cBhvr>
-                                    </p:animEffect>
-                                  </p:childTnLst>
-                                </p:cTn>
-                              </p:par>
-                            </p:childTnLst>
-                          </p:cTn>
-                        </p:par>
-                      </p:childTnLst>
-                    </p:cTn>
-                  </p:par>
-                  <p:par>
-                    <p:cTn id="8" fill="hold">
-                      <p:stCondLst>
-                        <p:cond delay="indefinite"/>
-                      </p:stCondLst>
-                      <p:childTnLst>
-                        <p:par>
-                          <p:cTn id="9" fill="hold">
-                            <p:stCondLst>
-                              <p:cond delay="0"/>
-                            </p:stCondLst>
-                            <p:childTnLst>
-                              <p:par>
-                                <p:cTn id="10" presetID="10" presetClass="entr" presetSubtype="0" fill="hold" nodeType="clickEffect">
-                                  <p:stCondLst>
-                                    <p:cond delay="0"/>
-                                  </p:stCondLst>
-                                  <p:childTnLst>
-                                    <p:set>
-                                      <p:cBhvr>
-                                        <p:cTn id="11" dur="1" fill="hold">
-                                          <p:stCondLst>
-                                            <p:cond delay="0"/>
-                                          </p:stCondLst>
-                                        </p:cTn>
-                                        <p:tgtEl>
-                                          <p:spTgt spid="11"/>
-                                        </p:tgtEl>
-                                        <p:attrNameLst>
-                                          <p:attrName>style.visibility</p:attrName>
-                                        </p:attrNameLst>
-                                      </p:cBhvr>
-                                      <p:to>
-                                        <p:strVal val="visible"/>
-                                      </p:to>
-                                    </p:set>
-                                    <p:animEffect transition="in" filter="fade">
-                                      <p:cBhvr>
-                                        <p:cTn id="12" dur="500"/>
-                                        <p:tgtEl>
-                                          <p:spTgt spid="11"/>
-                                        </p:tgtEl>
-                                      </p:cBhvr>
-                                    </p:animEffect>
-                                  </p:childTnLst>
-                                </p:cTn>
-                              </p:par>
-                              <p:par>
-                                <p:cTn id="13" presetID="10" presetClass="entr" presetSubtype="0" fill="hold" grpId="0" nodeType="withEffect">
-                                  <p:stCondLst>
-                                    <p:cond delay="0"/>
-                                  </p:stCondLst>
-                                  <p:childTnLst>
-                                    <p:set>
-                                      <p:cBhvr>
-                                        <p:cTn id="14" dur="1" fill="hold">
-                                          <p:stCondLst>
-                                            <p:cond delay="0"/>
-                                          </p:stCondLst>
-                                        </p:cTn>
-                                        <p:tgtEl>
-                                          <p:spTgt spid="10"/>
-                                        </p:tgtEl>
-                                        <p:attrNameLst>
-                                          <p:attrName>style.visibility</p:attrName>
-                                        </p:attrNameLst>
-                                      </p:cBhvr>
-                                      <p:to>
-                                        <p:strVal val="visible"/>
-                                      </p:to>
-                                    </p:set>
-                                    <p:animEffect transition="in" filter="fade">
-                                      <p:cBhvr>
-                                        <p:cTn id="15" dur="500"/>
-                                        <p:tgtEl>
-                                          <p:spTgt spid="10"/>
-                                        </p:tgtEl>
-                                      </p:cBhvr>
-                                    </p:animEffect>
-                                  </p:childTnLst>
-                                </p:cTn>
-                              </p:par>
-                            </p:childTnLst>
-                          </p:cTn>
-                        </p:par>
-                      </p:childTnLst>
-                    </p:cTn>
-                  </p:par>
-                  <p:par>
-                    <p:cTn id="16" fill="hold">
-                      <p:stCondLst>
-                        <p:cond delay="indefinite"/>
-                      </p:stCondLst>
-                      <p:childTnLst>
-                        <p:par>
-                          <p:cTn id="17" fill="hold">
-                            <p:stCondLst>
-                              <p:cond delay="0"/>
-                            </p:stCondLst>
-                            <p:childTnLst>
-                              <p:par>
-                                <p:cTn id="18" presetID="10" presetClass="entr" presetSubtype="0" fill="hold" nodeType="clickEffect">
-                                  <p:stCondLst>
-                                    <p:cond delay="0"/>
-                                  </p:stCondLst>
-                                  <p:childTnLst>
-                                    <p:set>
-                                      <p:cBhvr>
-                                        <p:cTn id="19" dur="1" fill="hold">
-                                          <p:stCondLst>
-                                            <p:cond delay="0"/>
-                                          </p:stCondLst>
-                                        </p:cTn>
-                                        <p:tgtEl>
-                                          <p:spTgt spid="6"/>
-                                        </p:tgtEl>
-                                        <p:attrNameLst>
-                                          <p:attrName>style.visibility</p:attrName>
-                                        </p:attrNameLst>
-                                      </p:cBhvr>
-                                      <p:to>
-                                        <p:strVal val="visible"/>
-                                      </p:to>
-                                    </p:set>
-                                    <p:animEffect transition="in" filter="fade">
-                                      <p:cBhvr>
-                                        <p:cTn id="20" dur="500"/>
-                                        <p:tgtEl>
-                                          <p:spTgt spid="6"/>
-                                        </p:tgtEl>
-                                      </p:cBhvr>
-                                    </p:animEffect>
-                                  </p:childTnLst>
-                                </p:cTn>
-                              </p:par>
-                              <p:par>
-                                <p:cTn id="21" presetID="10" presetClass="entr" presetSubtype="0" fill="hold" grpId="0" nodeType="withEffect">
-                                  <p:stCondLst>
-                                    <p:cond delay="0"/>
-                                  </p:stCondLst>
-                                  <p:childTnLst>
-                                    <p:set>
-                                      <p:cBhvr>
-                                        <p:cTn id="22" dur="1" fill="hold">
-                                          <p:stCondLst>
-                                            <p:cond delay="0"/>
-                                          </p:stCondLst>
-                                        </p:cTn>
-                                        <p:tgtEl>
-                                          <p:spTgt spid="5"/>
-                                        </p:tgtEl>
-                                        <p:attrNameLst>
-                                          <p:attrName>style.visibility</p:attrName>
-                                        </p:attrNameLst>
-                                      </p:cBhvr>
-                                      <p:to>
-                                        <p:strVal val="visible"/>
-                                      </p:to>
-                                    </p:set>
-                                    <p:animEffect transition="in" filter="fade">
-                                      <p:cBhvr>
-                                        <p:cTn id="23" dur="500"/>
-                                        <p:tgtEl>
-                                          <p:spTgt spid="5"/>
-                                        </p:tgtEl>
-                                      </p:cBhvr>
-                                    </p:animEffect>
-                                  </p:childTnLst>
-                                </p:cTn>
-                              </p:par>
-                            </p:childTnLst>
-                          </p:cTn>
-                        </p:par>
-                      </p:childTnLst>
-                    </p:cTn>
-                  </p:par>
-                  <p:par>
-                    <p:cTn id="24" fill="hold">
-                      <p:stCondLst>
-                        <p:cond delay="indefinite"/>
-                      </p:stCondLst>
-                      <p:childTnLst>
-                        <p:par>
-                          <p:cTn id="25" fill="hold">
-                            <p:stCondLst>
-                              <p:cond delay="0"/>
-                            </p:stCondLst>
-                            <p:childTnLst>
-                              <p:par>
-                                <p:cTn id="26" presetID="10" presetClass="entr" presetSubtype="0" fill="hold" nodeType="clickEffect">
-                                  <p:stCondLst>
-                                    <p:cond delay="0"/>
-                                  </p:stCondLst>
-                                  <p:childTnLst>
-                                    <p:set>
-                                      <p:cBhvr>
-                                        <p:cTn id="27" dur="1" fill="hold">
-                                          <p:stCondLst>
-                                            <p:cond delay="0"/>
-                                          </p:stCondLst>
-                                        </p:cTn>
-                                        <p:tgtEl>
-                                          <p:spTgt spid="13"/>
-                                        </p:tgtEl>
-                                        <p:attrNameLst>
-                                          <p:attrName>style.visibility</p:attrName>
-                                        </p:attrNameLst>
-                                      </p:cBhvr>
-                                      <p:to>
-                                        <p:strVal val="visible"/>
-                                      </p:to>
-                                    </p:set>
-                                    <p:animEffect transition="in" filter="fade">
-                                      <p:cBhvr>
-                                        <p:cTn id="28" dur="500"/>
-                                        <p:tgtEl>
-                                          <p:spTgt spid="13"/>
-                                        </p:tgtEl>
-                                      </p:cBhvr>
-                                    </p:animEffect>
-                                  </p:childTnLst>
-                                </p:cTn>
-                              </p:par>
-                              <p:par>
-                                <p:cTn id="29" presetID="10" presetClass="entr" presetSubtype="0" fill="hold" grpId="0" nodeType="withEffect">
-                                  <p:stCondLst>
-                                    <p:cond delay="0"/>
-                                  </p:stCondLst>
-                                  <p:childTnLst>
-                                    <p:set>
-                                      <p:cBhvr>
-                                        <p:cTn id="30" dur="1" fill="hold">
-                                          <p:stCondLst>
-                                            <p:cond delay="0"/>
-                                          </p:stCondLst>
-                                        </p:cTn>
-                                        <p:tgtEl>
-                                          <p:spTgt spid="12"/>
-                                        </p:tgtEl>
-                                        <p:attrNameLst>
-                                          <p:attrName>style.visibility</p:attrName>
-                                        </p:attrNameLst>
-                                      </p:cBhvr>
-                                      <p:to>
-                                        <p:strVal val="visible"/>
-                                      </p:to>
-                                    </p:set>
-                                    <p:animEffect transition="in" filter="fade">
-                                      <p:cBhvr>
-                                        <p:cTn id="31" dur="500"/>
-                                        <p:tgtEl>
-                                          <p:spTgt spid="12"/>
-                                        </p:tgtEl>
-                                      </p:cBhvr>
-                                    </p:animEffect>
-                                  </p:childTnLst>
-                                </p:cTn>
-                              </p:par>
-                            </p:childTnLst>
-                          </p:cTn>
-                        </p:par>
-                      </p:childTnLst>
-                    </p:cTn>
-                  </p:par>
-                  <p:par>
-                    <p:cTn id="32" fill="hold">
-                      <p:stCondLst>
-                        <p:cond delay="indefinite"/>
-                      </p:stCondLst>
-                      <p:childTnLst>
-                        <p:par>
-                          <p:cTn id="33" fill="hold">
-                            <p:stCondLst>
-                              <p:cond delay="0"/>
-                            </p:stCondLst>
-                            <p:childTnLst>
-                              <p:par>
-                                <p:cTn id="34" presetID="10" presetClass="entr" presetSubtype="0" fill="hold" grpId="0" nodeType="clickEffect">
-                                  <p:stCondLst>
-                                    <p:cond delay="0"/>
-                                  </p:stCondLst>
-                                  <p:childTnLst>
-                                    <p:set>
-                                      <p:cBhvr>
-                                        <p:cTn id="35" dur="1" fill="hold">
-                                          <p:stCondLst>
-                                            <p:cond delay="0"/>
-                                          </p:stCondLst>
-                                        </p:cTn>
-                                        <p:tgtEl>
-                                          <p:spTgt spid="17"/>
-                                        </p:tgtEl>
-                                        <p:attrNameLst>
-                                          <p:attrName>style.visibility</p:attrName>
-                                        </p:attrNameLst>
-                                      </p:cBhvr>
-                                      <p:to>
-                                        <p:strVal val="visible"/>
-                                      </p:to>
-                                    </p:set>
-                                    <p:animEffect transition="in" filter="fade">
-                                      <p:cBhvr>
-                                        <p:cTn id="36" dur="500"/>
-                                        <p:tgtEl>
-                                          <p:spTgt spid="17"/>
-                                        </p:tgtEl>
-                                      </p:cBhvr>
-                                    </p:animEffect>
-                                  </p:childTnLst>
-                                </p:cTn>
-                              </p:par>
-                              <p:par>
-                                <p:cTn id="37" presetID="10" presetClass="entr" presetSubtype="0" fill="hold" nodeType="withEffect">
-                                  <p:stCondLst>
-                                    <p:cond delay="0"/>
-                                  </p:stCondLst>
-                                  <p:childTnLst>
-                                    <p:set>
-                                      <p:cBhvr>
-                                        <p:cTn id="38" dur="1" fill="hold">
-                                          <p:stCondLst>
-                                            <p:cond delay="0"/>
-                                          </p:stCondLst>
-                                        </p:cTn>
-                                        <p:tgtEl>
-                                          <p:spTgt spid="18"/>
-                                        </p:tgtEl>
-                                        <p:attrNameLst>
-                                          <p:attrName>style.visibility</p:attrName>
-                                        </p:attrNameLst>
-                                      </p:cBhvr>
-                                      <p:to>
-                                        <p:strVal val="visible"/>
-                                      </p:to>
-                                    </p:set>
-                                    <p:animEffect transition="in" filter="fade">
-                                      <p:cBhvr>
-                                        <p:cTn id="39" dur="500"/>
-                                        <p:tgtEl>
-                                          <p:spTgt spid="18"/>
-                                        </p:tgtEl>
-                                      </p:cBhvr>
-                                    </p:animEffect>
-                                  </p:childTnLst>
-                                </p:cTn>
-                              </p:par>
-                            </p:childTnLst>
-                          </p:cTn>
-                        </p:par>
-                      </p:childTnLst>
-                    </p:cTn>
-                  </p:par>
-                </p:childTnLst>
-              </p:cTn>
-              <p:prevCondLst>
-                <p:cond evt="onPrev" delay="0">
-                  <p:tgtEl>
-                    <p:sldTgt/>
-                  </p:tgtEl>
-                </p:cond>
-              </p:prevCondLst>
-              <p:nextCondLst>
-                <p:cond evt="onNext" delay="0">
-                  <p:tgtEl>
-                    <p:sldTgt/>
-                  </p:tgtEl>
-                </p:cond>
-              </p:nextCondLst>
-            </p:seq>
-          </p:childTnLst>
-        </p:cTn>
-      </p:par>
-    </p:tnLst>
-    <p:bldLst>
-      <p:bldP spid="10" grpId="0" animBg="1"/>
-      <p:bldP spid="12" grpId="0" animBg="1"/>
-      <p:bldP spid="17" grpId="0" animBg="1"/>
-      <p:bldP spid="5" grpId="0" animBg="1"/>
-    </p:bldLst>
-  </p:timing>
-</p:sld>
-</file>
-
 <file path=ppt/theme/theme1.xml><?xml version="1.0" encoding="utf-8"?>
 <a:theme xmlns:a="http://schemas.openxmlformats.org/drawingml/2006/main" name="Slice">
   <a:themeElements>
